--- a/help/User-Guide-SSB-Retuning-Automations-v0.7.2.pptx
+++ b/help/User-Guide-SSB-Retuning-Automations-v0.7.2.pptx
@@ -33,6 +33,7 @@
     <p:sldId id="278" r:id="rId34"/>
     <p:sldId id="279" r:id="rId35"/>
     <p:sldId id="280" r:id="rId36"/>
+    <p:sldId id="281" r:id="rId37"/>
   </p:sldIdLst>
   <p:sldSz cx="9144000" cy="6858000" type="screen4x3"/>
   <p:notesSz cx="6858000" cy="9144000"/>
@@ -6345,7 +6346,7 @@
           <a:lstStyle/>
           <a:p>
             <a:r>
-              <a:t>SSB Retuning Automations (v0.7.2)</a:t>
+              <a:t>SSB Retuning Automations (v0.7.3)</a:t>
             </a:r>
           </a:p>
         </p:txBody>
@@ -6396,7 +6397,7 @@
               </a:defRPr>
             </a:pPr>
             <a:r>
-              <a:t>Module 3 — Consistency Check Bulk</a:t>
+              <a:t>Module 2 — Consistency Check (Pre/Post) (cont.)</a:t>
             </a:r>
           </a:p>
         </p:txBody>
@@ -6416,65 +6417,29 @@
           <a:bodyPr/>
           <a:lstStyle/>
           <a:p>
+            <a:pPr lvl="1">
+              <a:buNone/>
+              <a:defRPr sz="1500"/>
+            </a:pPr>
+            <a:r>
+              <a:t>4. Classify destination targets as "SSB-Pre", "SSB-Post" or "Unknown".</a:t>
+            </a:r>
+          </a:p>
+          <a:p>
+            <a:pPr lvl="1">
+              <a:buNone/>
+              <a:defRPr sz="1500"/>
+            </a:pPr>
+            <a:r>
+              <a:t>5. Exports detailed Excel outputs and correction commands.</a:t>
+            </a:r>
+          </a:p>
+          <a:p>
             <a:pPr>
               <a:buNone/>
               <a:defRPr b="1" sz="1600"/>
             </a:pPr>
             <a:r>
-              <a:t>Inputs</a:t>
-            </a:r>
-          </a:p>
-          <a:p>
-            <a:pPr lvl="1">
-              <a:buChar char="•"/>
-              <a:defRPr sz="1500"/>
-            </a:pPr>
-            <a:r>
-              <a:t>Root folder with subfolders like "yyyymmdd_hhmm_step0" (optionally nested by market).</a:t>
-            </a:r>
-          </a:p>
-          <a:p>
-            <a:pPr>
-              <a:buNone/>
-              <a:defRPr b="1" sz="1600"/>
-            </a:pPr>
-            <a:r>
-              <a:t>Process</a:t>
-            </a:r>
-          </a:p>
-          <a:p>
-            <a:pPr lvl="1">
-              <a:buNone/>
-              <a:defRPr sz="1500"/>
-            </a:pPr>
-            <a:r>
-              <a:t>1. Detects PRE/POST candidates by the most appropriate date/time.</a:t>
-            </a:r>
-          </a:p>
-          <a:p>
-            <a:pPr lvl="1">
-              <a:buNone/>
-              <a:defRPr sz="1500"/>
-            </a:pPr>
-            <a:r>
-              <a:t>2. Excludes folders using a blacklist ("ignore", "old", "bad", "partial", "incomplete", "discard", etc.).</a:t>
-            </a:r>
-          </a:p>
-          <a:p>
-            <a:pPr lvl="1">
-              <a:buNone/>
-              <a:defRPr sz="1500"/>
-            </a:pPr>
-            <a:r>
-              <a:t>3. Runs Module 2 for each detected market.</a:t>
-            </a:r>
-          </a:p>
-          <a:p>
-            <a:pPr>
-              <a:buNone/>
-              <a:defRPr b="1" sz="1600"/>
-            </a:pPr>
-            <a:r>
               <a:t>Outputs</a:t>
             </a:r>
           </a:p>
@@ -6484,16 +6449,79 @@
               <a:defRPr sz="1500"/>
             </a:pPr>
             <a:r>
-              <a:t>Same output structure as module 2, per market.</a:t>
-            </a:r>
-          </a:p>
-          <a:p>
-            <a:pPr lvl="1">
-              <a:buChar char="•"/>
-              <a:defRPr sz="1500"/>
-            </a:pPr>
-            <a:r>
-              <a:t>Traceability file "FoldersCompared.txt".</a:t>
+              <a:t>"CellRelation_&lt;timestamp&gt;_v&lt;version&gt;.xlsx" (end-to-end relations view).</a:t>
+            </a:r>
+          </a:p>
+          <a:p>
+            <a:pPr lvl="1">
+              <a:buChar char="•"/>
+              <a:defRPr sz="1500"/>
+            </a:pPr>
+            <a:r>
+              <a:t>"ConsistencyChecks_CellRelation_&lt;timestamp&gt;_v&lt;version&gt;.xlsx" with:</a:t>
+            </a:r>
+          </a:p>
+          <a:p>
+            <a:pPr lvl="2">
+              <a:buChar char="•"/>
+              <a:defRPr sz="1500"/>
+            </a:pPr>
+            <a:r>
+              <a:t>"Summary"</a:t>
+            </a:r>
+          </a:p>
+          <a:p>
+            <a:pPr lvl="2">
+              <a:buChar char="•"/>
+              <a:defRPr sz="1500"/>
+            </a:pPr>
+            <a:r>
+              <a:t>"SummaryAuditComparisson" (if there is PRE/POST SummaryAudit)</a:t>
+            </a:r>
+          </a:p>
+          <a:p>
+            <a:pPr lvl="2">
+              <a:buChar char="•"/>
+              <a:defRPr sz="1500"/>
+            </a:pPr>
+            <a:r>
+              <a:t>"Summary_CellRelation"</a:t>
+            </a:r>
+          </a:p>
+          <a:p>
+            <a:pPr lvl="2">
+              <a:buChar char="•"/>
+              <a:defRPr sz="1500"/>
+            </a:pPr>
+            <a:r>
+              <a:t>GU blocks: "GU_relations", "GU_param_disc", "GU_freq_disc", "GU_freq_disc_unknown", "GU_missing", "GU_new"</a:t>
+            </a:r>
+          </a:p>
+          <a:p>
+            <a:pPr lvl="2">
+              <a:buChar char="•"/>
+              <a:defRPr sz="1500"/>
+            </a:pPr>
+            <a:r>
+              <a:t>NR blocks: "NR_relations", "NR_param_disc", "NR_freq_disc", "NR_freq_disc_unknown", "NR_missing", "NR_new"</a:t>
+            </a:r>
+          </a:p>
+          <a:p>
+            <a:pPr lvl="2">
+              <a:buChar char="•"/>
+              <a:defRPr sz="1500"/>
+            </a:pPr>
+            <a:r>
+              <a:t>optional "GU_all", "NR_all".</a:t>
+            </a:r>
+          </a:p>
+          <a:p>
+            <a:pPr lvl="1">
+              <a:buChar char="•"/>
+              <a:defRPr sz="1500"/>
+            </a:pPr>
+            <a:r>
+              <a:t>"Correction_Cmd_CC/" with commands per type (new/missing/discrepancies).</a:t>
             </a:r>
           </a:p>
         </p:txBody>
@@ -6544,7 +6572,7 @@
               </a:defRPr>
             </a:pPr>
             <a:r>
-              <a:t>Module 4 — Final Clean-Up</a:t>
+              <a:t>Module 3 — Consistency Check Bulk</a:t>
             </a:r>
           </a:p>
         </p:txBody>
@@ -6578,7 +6606,7 @@
               <a:defRPr sz="1500"/>
             </a:pPr>
             <a:r>
-              <a:t>Final retune working folder.</a:t>
+              <a:t>Root folder with subfolders like "yyyymmdd_hhmm_step0" (optionally nested by market).</a:t>
             </a:r>
           </a:p>
           <a:p>
@@ -6592,11 +6620,29 @@
           </a:p>
           <a:p>
             <a:pPr lvl="1">
-              <a:buChar char="•"/>
-              <a:defRPr sz="1500"/>
-            </a:pPr>
-            <a:r>
-              <a:t>Executes final cleanup policies (structure prepared to expand rules).</a:t>
+              <a:buNone/>
+              <a:defRPr sz="1500"/>
+            </a:pPr>
+            <a:r>
+              <a:t>1. Detects PRE/POST candidates by the most appropriate date/time.</a:t>
+            </a:r>
+          </a:p>
+          <a:p>
+            <a:pPr lvl="1">
+              <a:buNone/>
+              <a:defRPr sz="1500"/>
+            </a:pPr>
+            <a:r>
+              <a:t>2. Excludes folders using a blacklist ("ignore", "old", "bad", "partial", "incomplete", "discard", etc.).</a:t>
+            </a:r>
+          </a:p>
+          <a:p>
+            <a:pPr lvl="1">
+              <a:buNone/>
+              <a:defRPr sz="1500"/>
+            </a:pPr>
+            <a:r>
+              <a:t>3. Runs Module 2 for each detected market.</a:t>
             </a:r>
           </a:p>
           <a:p>
@@ -6614,7 +6660,16 @@
               <a:defRPr sz="1500"/>
             </a:pPr>
             <a:r>
-              <a:t>Versioned cleanup directory according to the active implementation.</a:t>
+              <a:t>Same output structure as module 2, per market.</a:t>
+            </a:r>
+          </a:p>
+          <a:p>
+            <a:pPr lvl="1">
+              <a:buChar char="•"/>
+              <a:defRPr sz="1500"/>
+            </a:pPr>
+            <a:r>
+              <a:t>Traceability file "FoldersCompared.txt".</a:t>
             </a:r>
           </a:p>
         </p:txBody>
@@ -6653,7 +6708,7 @@
           <a:lstStyle/>
           <a:p>
             <a:r>
-              <a:t>Configuration Audit module in detail</a:t>
+              <a:t>Inputs, outputs, and content per module</a:t>
             </a:r>
           </a:p>
           <a:p>
@@ -6665,7 +6720,7 @@
               </a:defRPr>
             </a:pPr>
             <a:r>
-              <a:t>SummaryAudit checks philosophy</a:t>
+              <a:t>Module 4 — Final Clean-Up</a:t>
             </a:r>
           </a:p>
         </p:txBody>
@@ -6687,37 +6742,55 @@
           <a:p>
             <a:pPr>
               <a:buNone/>
-              <a:defRPr sz="1500"/>
-            </a:pPr>
-            <a:r>
-              <a:t>SummaryAudit sheet contains a high-level checks table by categories. The flow:</a:t>
-            </a:r>
-          </a:p>
-          <a:p>
-            <a:pPr lvl="1">
-              <a:buNone/>
-              <a:defRPr sz="1500"/>
-            </a:pPr>
-            <a:r>
-              <a:t>1. Excludes "UNSYNCHRONIZED" nodes based on "MeContext".</a:t>
-            </a:r>
-          </a:p>
-          <a:p>
-            <a:pPr lvl="1">
-              <a:buNone/>
-              <a:defRPr sz="1500"/>
-            </a:pPr>
-            <a:r>
-              <a:t>2. Evaluates NR, LTE, ENDC, Externals, TermPoints, cardinalities, and profiles.</a:t>
-            </a:r>
-          </a:p>
-          <a:p>
-            <a:pPr lvl="1">
-              <a:buNone/>
-              <a:defRPr sz="1500"/>
-            </a:pPr>
-            <a:r>
-              <a:t>3. Records each check as a row ("Category/SubCategory/Metric/Value/ExtraInfo").</a:t>
+              <a:defRPr b="1" sz="1600"/>
+            </a:pPr>
+            <a:r>
+              <a:t>Inputs</a:t>
+            </a:r>
+          </a:p>
+          <a:p>
+            <a:pPr lvl="1">
+              <a:buChar char="•"/>
+              <a:defRPr sz="1500"/>
+            </a:pPr>
+            <a:r>
+              <a:t>Final retune working folder.</a:t>
+            </a:r>
+          </a:p>
+          <a:p>
+            <a:pPr>
+              <a:buNone/>
+              <a:defRPr b="1" sz="1600"/>
+            </a:pPr>
+            <a:r>
+              <a:t>Process</a:t>
+            </a:r>
+          </a:p>
+          <a:p>
+            <a:pPr lvl="1">
+              <a:buChar char="•"/>
+              <a:defRPr sz="1500"/>
+            </a:pPr>
+            <a:r>
+              <a:t>Executes final cleanup policies (structure prepared to expand rules).</a:t>
+            </a:r>
+          </a:p>
+          <a:p>
+            <a:pPr>
+              <a:buNone/>
+              <a:defRPr b="1" sz="1600"/>
+            </a:pPr>
+            <a:r>
+              <a:t>Outputs</a:t>
+            </a:r>
+          </a:p>
+          <a:p>
+            <a:pPr lvl="1">
+              <a:buChar char="•"/>
+              <a:defRPr sz="1500"/>
+            </a:pPr>
+            <a:r>
+              <a:t>Versioned cleanup directory according to the active implementation.</a:t>
             </a:r>
           </a:p>
         </p:txBody>
@@ -6768,7 +6841,7 @@
               </a:defRPr>
             </a:pPr>
             <a:r>
-              <a:t>Operational meaning of SummaryAudit rows</a:t>
+              <a:t>SummaryAudit checks philosophy</a:t>
             </a:r>
           </a:p>
         </p:txBody>
@@ -6788,75 +6861,39 @@
           <a:bodyPr/>
           <a:lstStyle/>
           <a:p>
-            <a:pPr lvl="1">
-              <a:buChar char="•"/>
-              <a:defRPr sz="1500"/>
-            </a:pPr>
-            <a:r>
-              <a:t>Category: audited technical domain (NR/LTE/ENDC/MeContext/etc.).</a:t>
-            </a:r>
-          </a:p>
-          <a:p>
-            <a:pPr lvl="1">
-              <a:buChar char="•"/>
-              <a:defRPr sz="1500"/>
-            </a:pPr>
-            <a:r>
-              <a:t>SubCategory: type of analysis (Audit/Inconsistencies/Profiles).</a:t>
-            </a:r>
-          </a:p>
-          <a:p>
-            <a:pPr lvl="1">
-              <a:buChar char="•"/>
-              <a:defRPr sz="1500"/>
-            </a:pPr>
-            <a:r>
-              <a:t>Metric: specific rule evaluated.</a:t>
-            </a:r>
-          </a:p>
-          <a:p>
-            <a:pPr lvl="1">
-              <a:buChar char="•"/>
-              <a:defRPr sz="1500"/>
-            </a:pPr>
-            <a:r>
-              <a:t>Value:</a:t>
-            </a:r>
-          </a:p>
-          <a:p>
-            <a:pPr lvl="2">
-              <a:buChar char="•"/>
-              <a:defRPr sz="1500"/>
-            </a:pPr>
-            <a:r>
-              <a:t>Integer: number of affected nodes/relations/cells.</a:t>
-            </a:r>
-          </a:p>
-          <a:p>
-            <a:pPr lvl="2">
-              <a:buChar char="•"/>
-              <a:defRPr sz="1500"/>
-            </a:pPr>
-            <a:r>
-              <a:t>"N/A": not evaluable due to missing columns.</a:t>
-            </a:r>
-          </a:p>
-          <a:p>
-            <a:pPr lvl="2">
-              <a:buChar char="•"/>
-              <a:defRPr sz="1500"/>
-            </a:pPr>
-            <a:r>
-              <a:t>Text: captured status or error.</a:t>
-            </a:r>
-          </a:p>
-          <a:p>
-            <a:pPr lvl="1">
-              <a:buChar char="•"/>
-              <a:defRPr sz="1500"/>
-            </a:pPr>
-            <a:r>
-              <a:t>ExtraInfo: list of nodes or bounded detail for troubleshooting.</a:t>
+            <a:pPr>
+              <a:buNone/>
+              <a:defRPr sz="1500"/>
+            </a:pPr>
+            <a:r>
+              <a:t>SummaryAudit sheet contains a high-level checks table by categories. The flow:</a:t>
+            </a:r>
+          </a:p>
+          <a:p>
+            <a:pPr lvl="1">
+              <a:buNone/>
+              <a:defRPr sz="1500"/>
+            </a:pPr>
+            <a:r>
+              <a:t>1. Excludes "UNSYNCHRONIZED" nodes based on "MeContext".</a:t>
+            </a:r>
+          </a:p>
+          <a:p>
+            <a:pPr lvl="1">
+              <a:buNone/>
+              <a:defRPr sz="1500"/>
+            </a:pPr>
+            <a:r>
+              <a:t>2. Evaluates NR, LTE, ENDC, Externals, TermPoints, cardinalities, and profiles.</a:t>
+            </a:r>
+          </a:p>
+          <a:p>
+            <a:pPr lvl="1">
+              <a:buNone/>
+              <a:defRPr sz="1500"/>
+            </a:pPr>
+            <a:r>
+              <a:t>3. Records each check as a row ("Category/SubCategory/Metric/Value/ExtraInfo").</a:t>
             </a:r>
           </a:p>
         </p:txBody>
@@ -6907,7 +6944,7 @@
               </a:defRPr>
             </a:pPr>
             <a:r>
-              <a:t>SummaryAudit checks catalog</a:t>
+              <a:t>Operational meaning of SummaryAudit rows</a:t>
             </a:r>
           </a:p>
         </p:txBody>
@@ -6927,138 +6964,75 @@
           <a:bodyPr/>
           <a:lstStyle/>
           <a:p>
-            <a:pPr>
-              <a:buNone/>
-              <a:defRPr b="1" sz="1600"/>
-            </a:pPr>
-            <a:r>
-              <a:t>MeContext Audit</a:t>
-            </a:r>
-          </a:p>
-          <a:p>
-            <a:pPr lvl="1">
-              <a:buChar char="•"/>
-              <a:defRPr sz="1500"/>
-            </a:pPr>
-            <a:r>
-              <a:t>total unique nodes and unsynchronized node exclusion.</a:t>
-            </a:r>
-          </a:p>
-          <a:p>
-            <a:pPr lvl="1">
-              <a:buChar char="•"/>
-              <a:defRPr sz="1500"/>
-            </a:pPr>
-            <a:r>
-              <a:t>"UNSYNCHRONIZED" nodes (excluded from the rest of the audits).</a:t>
-            </a:r>
-          </a:p>
-          <a:p>
-            <a:pPr>
-              <a:buNone/>
-              <a:defRPr b="1" sz="1600"/>
-            </a:pPr>
-            <a:r>
-              <a:t>NR Frequency Audit / NR Frequency Inconsistencies</a:t>
-            </a:r>
-          </a:p>
-          <a:p>
-            <a:pPr>
-              <a:buNone/>
-              <a:defRPr sz="1500"/>
-            </a:pPr>
-            <a:r>
-              <a:t>Source tables: "NRCellDU", "NRFrequency", "NRFreqRelation", "NRSectorCarrier", "NRCellRelation", "ExternalNRCellCU", "TermPointToGNodeB", "TermPointToGNB".</a:t>
-            </a:r>
-          </a:p>
-          <a:p>
-            <a:pPr>
-              <a:buNone/>
-              <a:defRPr sz="1500"/>
-            </a:pPr>
-            <a:r>
-              <a:t>Main checks:</a:t>
-            </a:r>
-          </a:p>
-          <a:p>
-            <a:pPr lvl="1">
-              <a:buChar char="•"/>
-              <a:defRPr sz="1500"/>
-            </a:pPr>
-            <a:r>
-              <a:t>Detection of NR nodes with N77 SSB (band 646600–660000).</a:t>
-            </a:r>
-          </a:p>
-          <a:p>
-            <a:pPr lvl="1">
-              <a:buChar char="•"/>
-              <a:defRPr sz="1500"/>
-            </a:pPr>
-            <a:r>
-              <a:t>Classification of NR nodes as LowMidBand / mmWave / mixed.</a:t>
-            </a:r>
-          </a:p>
-          <a:p>
-            <a:pPr lvl="1">
-              <a:buChar char="•"/>
-              <a:defRPr sz="1500"/>
-            </a:pPr>
-            <a:r>
-              <a:t>Nodes whose N77 SSBs are fully within allowed PRE or POST lists.</a:t>
-            </a:r>
-          </a:p>
-          <a:p>
-            <a:pPr lvl="1">
-              <a:buChar char="•"/>
-              <a:defRPr sz="1500"/>
-            </a:pPr>
-            <a:r>
-              <a:t>Nodes with N77 SSB outside allowed lists.</a:t>
-            </a:r>
-          </a:p>
-          <a:p>
-            <a:pPr lvl="1">
-              <a:buChar char="•"/>
-              <a:defRPr sz="1500"/>
-            </a:pPr>
-            <a:r>
-              <a:t>Old/new SSB presence per node (only old, only new, both).</a:t>
-            </a:r>
-          </a:p>
-          <a:p>
-            <a:pPr lvl="1">
-              <a:buChar char="•"/>
-              <a:defRPr sz="1500"/>
-            </a:pPr>
-            <a:r>
-              <a:t>Nodes with NRFreqRelationId in an unexpected format (auto-created outside convention).</a:t>
-            </a:r>
-          </a:p>
-          <a:p>
-            <a:pPr lvl="1">
-              <a:buChar char="•"/>
-              <a:defRPr sz="1500"/>
-            </a:pPr>
-            <a:r>
-              <a:t>NR relations to old/new SSB.</a:t>
-            </a:r>
-          </a:p>
-          <a:p>
-            <a:pPr lvl="1">
-              <a:buChar char="•"/>
-              <a:defRPr sz="1500"/>
-            </a:pPr>
-            <a:r>
-              <a:t>NR externals and termpoints pointing to old/new/unknown.</a:t>
-            </a:r>
-          </a:p>
-          <a:p>
-            <a:pPr>
-              <a:buNone/>
-              <a:defRPr sz="1500"/>
-            </a:pPr>
-            <a:r>
-              <a:t>Typical triggering:</a:t>
+            <a:pPr lvl="1">
+              <a:buChar char="•"/>
+              <a:defRPr sz="1500"/>
+            </a:pPr>
+            <a:r>
+              <a:t>Category: audited technical domain (NR/LTE/ENDC/MeContext/etc.).</a:t>
+            </a:r>
+          </a:p>
+          <a:p>
+            <a:pPr lvl="1">
+              <a:buChar char="•"/>
+              <a:defRPr sz="1500"/>
+            </a:pPr>
+            <a:r>
+              <a:t>SubCategory: type of analysis (Audit/Inconsistencies/Profiles).</a:t>
+            </a:r>
+          </a:p>
+          <a:p>
+            <a:pPr lvl="1">
+              <a:buChar char="•"/>
+              <a:defRPr sz="1500"/>
+            </a:pPr>
+            <a:r>
+              <a:t>Metric: specific rule evaluated.</a:t>
+            </a:r>
+          </a:p>
+          <a:p>
+            <a:pPr lvl="1">
+              <a:buChar char="•"/>
+              <a:defRPr sz="1500"/>
+            </a:pPr>
+            <a:r>
+              <a:t>Value:</a:t>
+            </a:r>
+          </a:p>
+          <a:p>
+            <a:pPr lvl="2">
+              <a:buChar char="•"/>
+              <a:defRPr sz="1500"/>
+            </a:pPr>
+            <a:r>
+              <a:t>Integer: number of affected nodes/relations/cells.</a:t>
+            </a:r>
+          </a:p>
+          <a:p>
+            <a:pPr lvl="2">
+              <a:buChar char="•"/>
+              <a:defRPr sz="1500"/>
+            </a:pPr>
+            <a:r>
+              <a:t>"N/A": not evaluable due to missing columns.</a:t>
+            </a:r>
+          </a:p>
+          <a:p>
+            <a:pPr lvl="2">
+              <a:buChar char="•"/>
+              <a:defRPr sz="1500"/>
+            </a:pPr>
+            <a:r>
+              <a:t>Text: captured status or error.</a:t>
+            </a:r>
+          </a:p>
+          <a:p>
+            <a:pPr lvl="1">
+              <a:buChar char="•"/>
+              <a:defRPr sz="1500"/>
+            </a:pPr>
+            <a:r>
+              <a:t>ExtraInfo: list of nodes or bounded detail for troubleshooting.</a:t>
             </a:r>
           </a:p>
         </p:txBody>
@@ -7109,7 +7083,7 @@
               </a:defRPr>
             </a:pPr>
             <a:r>
-              <a:t>SummaryAudit checks catalog (cont.)</a:t>
+              <a:t>SummaryAudit checks catalog</a:t>
             </a:r>
           </a:p>
         </p:txBody>
@@ -7129,57 +7103,30 @@
           <a:bodyPr/>
           <a:lstStyle/>
           <a:p>
-            <a:pPr lvl="1">
-              <a:buChar char="•"/>
-              <a:defRPr sz="1500"/>
-            </a:pPr>
-            <a:r>
-              <a:t>Each check is enabled if the table and minimum required columns exist.</a:t>
-            </a:r>
-          </a:p>
-          <a:p>
-            <a:pPr lvl="1">
-              <a:buChar char="•"/>
-              <a:defRPr sz="1500"/>
-            </a:pPr>
-            <a:r>
-              <a:t>If columns are missing, a "N/A" status row is added.</a:t>
-            </a:r>
-          </a:p>
-          <a:p>
-            <a:pPr lvl="1">
-              <a:buChar char="•"/>
-              <a:defRPr sz="1500"/>
-            </a:pPr>
-            <a:r>
-              <a:t>If the table is empty or not found, an informative row "Table not found or empty" is added.</a:t>
-            </a:r>
-          </a:p>
-          <a:p>
             <a:pPr>
               <a:buNone/>
-              <a:defRPr sz="1500"/>
-            </a:pPr>
-            <a:r>
-              <a:t>Interpretation:</a:t>
-            </a:r>
-          </a:p>
-          <a:p>
-            <a:pPr lvl="1">
-              <a:buChar char="•"/>
-              <a:defRPr sz="1500"/>
-            </a:pPr>
-            <a:r>
-              <a:t>"Value &gt; 0" in inconsistencies indicates a real deviation that requires investigation.</a:t>
-            </a:r>
-          </a:p>
-          <a:p>
-            <a:pPr lvl="1">
-              <a:buChar char="•"/>
-              <a:defRPr sz="1500"/>
-            </a:pPr>
-            <a:r>
-              <a:t>"ExtraInfo" typically lists affected nodes for operational targeting.</a:t>
+              <a:defRPr b="1" sz="1600"/>
+            </a:pPr>
+            <a:r>
+              <a:t>MeContext Audit</a:t>
+            </a:r>
+          </a:p>
+          <a:p>
+            <a:pPr lvl="1">
+              <a:buChar char="•"/>
+              <a:defRPr sz="1500"/>
+            </a:pPr>
+            <a:r>
+              <a:t>total unique nodes and unsynchronized node exclusion.</a:t>
+            </a:r>
+          </a:p>
+          <a:p>
+            <a:pPr lvl="1">
+              <a:buChar char="•"/>
+              <a:defRPr sz="1500"/>
+            </a:pPr>
+            <a:r>
+              <a:t>"UNSYNCHRONIZED" nodes (excluded from the rest of the audits).</a:t>
             </a:r>
           </a:p>
           <a:p>
@@ -7188,7 +7135,7 @@
               <a:defRPr b="1" sz="1600"/>
             </a:pPr>
             <a:r>
-              <a:t>LTE Frequency Audit / LTE Frequency Inconsistencies</a:t>
+              <a:t>NR Frequency Audit / NR Frequency Inconsistencies</a:t>
             </a:r>
           </a:p>
           <a:p>
@@ -7197,7 +7144,7 @@
               <a:defRPr sz="1500"/>
             </a:pPr>
             <a:r>
-              <a:t>Source tables: "GUtranSyncSignalFrequency", "GUtranFreqRelation", "GUtranCellRelation", "ExternalGUtranCell", "TermPointToENodeB".</a:t>
+              <a:t>Source tables: "NRCellDU", "NRFrequency", "NRFreqRelation", "NRSectorCarrier", "NRCellRelation", "ExternalNRCellCU", "TermPointToGNodeB", "TermPointToGNB".</a:t>
             </a:r>
           </a:p>
           <a:p>
@@ -7215,43 +7162,79 @@
               <a:defRPr sz="1500"/>
             </a:pPr>
             <a:r>
-              <a:t>LTE nodes with old/new SSB.</a:t>
-            </a:r>
-          </a:p>
-          <a:p>
-            <a:pPr lvl="1">
-              <a:buChar char="•"/>
-              <a:defRPr sz="1500"/>
-            </a:pPr>
-            <a:r>
-              <a:t>Nodes with both old/new or old without new.</a:t>
-            </a:r>
-          </a:p>
-          <a:p>
-            <a:pPr lvl="1">
-              <a:buChar char="•"/>
-              <a:defRPr sz="1500"/>
-            </a:pPr>
-            <a:r>
-              <a:t>SSB outside the expected pre/post set.</a:t>
-            </a:r>
-          </a:p>
-          <a:p>
-            <a:pPr lvl="1">
-              <a:buChar char="•"/>
-              <a:defRPr sz="1500"/>
-            </a:pPr>
-            <a:r>
-              <a:t>LTE relations to old/new and parameter discrepancies per cell relation.</a:t>
-            </a:r>
-          </a:p>
-          <a:p>
-            <a:pPr lvl="1">
-              <a:buChar char="•"/>
-              <a:defRPr sz="1500"/>
-            </a:pPr>
-            <a:r>
-              <a:t>LTE externals OUT_OF_SERVICE for old/new.</a:t>
+              <a:t>Detection of NR nodes with N77 SSB (band 646600–660000).</a:t>
+            </a:r>
+          </a:p>
+          <a:p>
+            <a:pPr lvl="1">
+              <a:buChar char="•"/>
+              <a:defRPr sz="1500"/>
+            </a:pPr>
+            <a:r>
+              <a:t>Classification of NR nodes as LowMidBand / mmWave / mixed.</a:t>
+            </a:r>
+          </a:p>
+          <a:p>
+            <a:pPr lvl="1">
+              <a:buChar char="•"/>
+              <a:defRPr sz="1500"/>
+            </a:pPr>
+            <a:r>
+              <a:t>Nodes whose N77 SSBs are fully within allowed PRE or POST lists.</a:t>
+            </a:r>
+          </a:p>
+          <a:p>
+            <a:pPr lvl="1">
+              <a:buChar char="•"/>
+              <a:defRPr sz="1500"/>
+            </a:pPr>
+            <a:r>
+              <a:t>Nodes with N77 SSB outside allowed lists.</a:t>
+            </a:r>
+          </a:p>
+          <a:p>
+            <a:pPr lvl="1">
+              <a:buChar char="•"/>
+              <a:defRPr sz="1500"/>
+            </a:pPr>
+            <a:r>
+              <a:t>Old/new SSB presence per node (only old, only new, both).</a:t>
+            </a:r>
+          </a:p>
+          <a:p>
+            <a:pPr lvl="1">
+              <a:buChar char="•"/>
+              <a:defRPr sz="1500"/>
+            </a:pPr>
+            <a:r>
+              <a:t>Nodes with NRFreqRelationId in an unexpected format (auto-created outside convention).</a:t>
+            </a:r>
+          </a:p>
+          <a:p>
+            <a:pPr lvl="1">
+              <a:buChar char="•"/>
+              <a:defRPr sz="1500"/>
+            </a:pPr>
+            <a:r>
+              <a:t>NR relations to old/new SSB.</a:t>
+            </a:r>
+          </a:p>
+          <a:p>
+            <a:pPr lvl="1">
+              <a:buChar char="•"/>
+              <a:defRPr sz="1500"/>
+            </a:pPr>
+            <a:r>
+              <a:t>NR externals and termpoints pointing to old/new/unknown.</a:t>
+            </a:r>
+          </a:p>
+          <a:p>
+            <a:pPr>
+              <a:buNone/>
+              <a:defRPr sz="1500"/>
+            </a:pPr>
+            <a:r>
+              <a:t>Typical triggering:</a:t>
             </a:r>
           </a:p>
         </p:txBody>
@@ -7322,12 +7305,66 @@
           <a:bodyPr/>
           <a:lstStyle/>
           <a:p>
+            <a:pPr lvl="1">
+              <a:buChar char="•"/>
+              <a:defRPr sz="1500"/>
+            </a:pPr>
+            <a:r>
+              <a:t>Each check is enabled if the table and minimum required columns exist.</a:t>
+            </a:r>
+          </a:p>
+          <a:p>
+            <a:pPr lvl="1">
+              <a:buChar char="•"/>
+              <a:defRPr sz="1500"/>
+            </a:pPr>
+            <a:r>
+              <a:t>If columns are missing, a "N/A" status row is added.</a:t>
+            </a:r>
+          </a:p>
+          <a:p>
+            <a:pPr lvl="1">
+              <a:buChar char="•"/>
+              <a:defRPr sz="1500"/>
+            </a:pPr>
+            <a:r>
+              <a:t>If the table is empty or not found, an informative row "Table not found or empty" is added.</a:t>
+            </a:r>
+          </a:p>
+          <a:p>
             <a:pPr>
               <a:buNone/>
+              <a:defRPr sz="1500"/>
+            </a:pPr>
+            <a:r>
+              <a:t>Interpretation:</a:t>
+            </a:r>
+          </a:p>
+          <a:p>
+            <a:pPr lvl="1">
+              <a:buChar char="•"/>
+              <a:defRPr sz="1500"/>
+            </a:pPr>
+            <a:r>
+              <a:t>"Value &gt; 0" in inconsistencies indicates a real deviation that requires investigation.</a:t>
+            </a:r>
+          </a:p>
+          <a:p>
+            <a:pPr lvl="1">
+              <a:buChar char="•"/>
+              <a:defRPr sz="1500"/>
+            </a:pPr>
+            <a:r>
+              <a:t>"ExtraInfo" typically lists affected nodes for operational targeting.</a:t>
+            </a:r>
+          </a:p>
+          <a:p>
+            <a:pPr>
+              <a:buNone/>
               <a:defRPr b="1" sz="1600"/>
             </a:pPr>
             <a:r>
-              <a:t>ENDC Audit / ENDC Inconsistencies</a:t>
+              <a:t>LTE Frequency Audit / LTE Frequency Inconsistencies</a:t>
             </a:r>
           </a:p>
           <a:p>
@@ -7336,7 +7373,7 @@
               <a:defRPr sz="1500"/>
             </a:pPr>
             <a:r>
-              <a:t>Source tables: "EndcDistrProfile", "FreqPrioNR".</a:t>
+              <a:t>Source tables: "GUtranSyncSignalFrequency", "GUtranFreqRelation", "GUtranCellRelation", "ExternalGUtranCell", "TermPointToENodeB".</a:t>
             </a:r>
           </a:p>
           <a:p>
@@ -7354,79 +7391,43 @@
               <a:defRPr sz="1500"/>
             </a:pPr>
             <a:r>
-              <a:t>"gUtranFreqRef" and "mandatoryGUtranFreqRef" with old/new + N77B combinations.</a:t>
-            </a:r>
-          </a:p>
-          <a:p>
-            <a:pPr lvl="1">
-              <a:buChar char="•"/>
-              <a:defRPr sz="1500"/>
-            </a:pPr>
-            <a:r>
-              <a:t>Nodes that do not contain the expected frequency combination.</a:t>
-            </a:r>
-          </a:p>
-          <a:p>
-            <a:pPr lvl="1">
-              <a:buChar char="•"/>
-              <a:defRPr sz="1500"/>
-            </a:pPr>
-            <a:r>
-              <a:t>In "FreqPrioNR": old without new, both present, and parameter mismatch per cell.</a:t>
-            </a:r>
-          </a:p>
-          <a:p>
-            <a:pPr>
-              <a:buNone/>
-              <a:defRPr b="1" sz="1600"/>
-            </a:pPr>
-            <a:r>
-              <a:t>Cardinalities Audit / Inconsistencies</a:t>
-            </a:r>
-          </a:p>
-          <a:p>
-            <a:pPr>
-              <a:buNone/>
-              <a:defRPr sz="1500"/>
-            </a:pPr>
-            <a:r>
-              <a:t>Cardinality checks per relation table (per node and/or per cell) to detect overprovisioning or gaps versus expected limits.</a:t>
-            </a:r>
-          </a:p>
-          <a:p>
-            <a:pPr>
-              <a:buNone/>
-              <a:defRPr b="1" sz="1600"/>
-            </a:pPr>
-            <a:r>
-              <a:t>Profiles Audit (if enabled)</a:t>
-            </a:r>
-          </a:p>
-          <a:p>
-            <a:pPr lvl="1">
-              <a:buChar char="•"/>
-              <a:defRPr sz="1500"/>
-            </a:pPr>
-            <a:r>
-              <a:t>Compares PRE/POST profiles by supported profile MO.</a:t>
-            </a:r>
-          </a:p>
-          <a:p>
-            <a:pPr lvl="1">
-              <a:buChar char="•"/>
-              <a:defRPr sz="1500"/>
-            </a:pPr>
-            <a:r>
-              <a:t>Detects parameter discrepancies between old/new variants.</a:t>
-            </a:r>
-          </a:p>
-          <a:p>
-            <a:pPr lvl="1">
-              <a:buChar char="•"/>
-              <a:defRPr sz="1500"/>
-            </a:pPr>
-            <a:r>
-              <a:t>Adds results to SummaryAudit and auxiliary detail sheets.</a:t>
+              <a:t>LTE nodes with old/new SSB.</a:t>
+            </a:r>
+          </a:p>
+          <a:p>
+            <a:pPr lvl="1">
+              <a:buChar char="•"/>
+              <a:defRPr sz="1500"/>
+            </a:pPr>
+            <a:r>
+              <a:t>Nodes with both old/new or old without new.</a:t>
+            </a:r>
+          </a:p>
+          <a:p>
+            <a:pPr lvl="1">
+              <a:buChar char="•"/>
+              <a:defRPr sz="1500"/>
+            </a:pPr>
+            <a:r>
+              <a:t>SSB outside the expected pre/post set.</a:t>
+            </a:r>
+          </a:p>
+          <a:p>
+            <a:pPr lvl="1">
+              <a:buChar char="•"/>
+              <a:defRPr sz="1500"/>
+            </a:pPr>
+            <a:r>
+              <a:t>LTE relations to old/new and parameter discrepancies per cell relation.</a:t>
+            </a:r>
+          </a:p>
+          <a:p>
+            <a:pPr lvl="1">
+              <a:buChar char="•"/>
+              <a:defRPr sz="1500"/>
+            </a:pPr>
+            <a:r>
+              <a:t>LTE externals OUT_OF_SERVICE for old/new.</a:t>
             </a:r>
           </a:p>
         </p:txBody>
@@ -7465,7 +7466,7 @@
           <a:lstStyle/>
           <a:p>
             <a:r>
-              <a:t>Consistency Check module in detail</a:t>
+              <a:t>Configuration Audit module in detail</a:t>
             </a:r>
           </a:p>
           <a:p>
@@ -7477,7 +7478,7 @@
               </a:defRPr>
             </a:pPr>
             <a:r>
-              <a:t>Filtering by non-retuned nodes</a:t>
+              <a:t>SummaryAudit checks catalog (cont.)</a:t>
             </a:r>
           </a:p>
         </p:txBody>
@@ -7499,10 +7500,109 @@
           <a:p>
             <a:pPr>
               <a:buNone/>
-              <a:defRPr sz="1500"/>
-            </a:pPr>
-            <a:r>
-              <a:t>If a POST SummaryAudit exists, the module obtains PRE/POST node lists and can exclude discrepancies whose target points to nodes that did not complete retune, reducing operational noise.</a:t>
+              <a:defRPr b="1" sz="1600"/>
+            </a:pPr>
+            <a:r>
+              <a:t>ENDC Audit / ENDC Inconsistencies</a:t>
+            </a:r>
+          </a:p>
+          <a:p>
+            <a:pPr>
+              <a:buNone/>
+              <a:defRPr sz="1500"/>
+            </a:pPr>
+            <a:r>
+              <a:t>Source tables: "EndcDistrProfile", "FreqPrioNR".</a:t>
+            </a:r>
+          </a:p>
+          <a:p>
+            <a:pPr>
+              <a:buNone/>
+              <a:defRPr sz="1500"/>
+            </a:pPr>
+            <a:r>
+              <a:t>Main checks:</a:t>
+            </a:r>
+          </a:p>
+          <a:p>
+            <a:pPr lvl="1">
+              <a:buChar char="•"/>
+              <a:defRPr sz="1500"/>
+            </a:pPr>
+            <a:r>
+              <a:t>"gUtranFreqRef" and "mandatoryGUtranFreqRef" with old/new + N77B combinations.</a:t>
+            </a:r>
+          </a:p>
+          <a:p>
+            <a:pPr lvl="1">
+              <a:buChar char="•"/>
+              <a:defRPr sz="1500"/>
+            </a:pPr>
+            <a:r>
+              <a:t>Nodes that do not contain the expected frequency combination.</a:t>
+            </a:r>
+          </a:p>
+          <a:p>
+            <a:pPr lvl="1">
+              <a:buChar char="•"/>
+              <a:defRPr sz="1500"/>
+            </a:pPr>
+            <a:r>
+              <a:t>In "FreqPrioNR": old without new, both present, and parameter mismatch per cell.</a:t>
+            </a:r>
+          </a:p>
+          <a:p>
+            <a:pPr>
+              <a:buNone/>
+              <a:defRPr b="1" sz="1600"/>
+            </a:pPr>
+            <a:r>
+              <a:t>Cardinalities Audit / Inconsistencies</a:t>
+            </a:r>
+          </a:p>
+          <a:p>
+            <a:pPr>
+              <a:buNone/>
+              <a:defRPr sz="1500"/>
+            </a:pPr>
+            <a:r>
+              <a:t>Cardinality checks per relation table (per node and/or per cell) to detect overprovisioning or gaps versus expected limits.</a:t>
+            </a:r>
+          </a:p>
+          <a:p>
+            <a:pPr>
+              <a:buNone/>
+              <a:defRPr b="1" sz="1600"/>
+            </a:pPr>
+            <a:r>
+              <a:t>Profiles Audit (if enabled)</a:t>
+            </a:r>
+          </a:p>
+          <a:p>
+            <a:pPr lvl="1">
+              <a:buChar char="•"/>
+              <a:defRPr sz="1500"/>
+            </a:pPr>
+            <a:r>
+              <a:t>Compares PRE/POST profiles by supported profile MO.</a:t>
+            </a:r>
+          </a:p>
+          <a:p>
+            <a:pPr lvl="1">
+              <a:buChar char="•"/>
+              <a:defRPr sz="1500"/>
+            </a:pPr>
+            <a:r>
+              <a:t>Detects parameter discrepancies between old/new variants.</a:t>
+            </a:r>
+          </a:p>
+          <a:p>
+            <a:pPr lvl="1">
+              <a:buChar char="•"/>
+              <a:defRPr sz="1500"/>
+            </a:pPr>
+            <a:r>
+              <a:t>Adds results to SummaryAudit and auxiliary detail sheets.</a:t>
             </a:r>
           </a:p>
         </p:txBody>
@@ -7553,7 +7653,7 @@
               </a:defRPr>
             </a:pPr>
             <a:r>
-              <a:t>How it detects parameter discrepancies</a:t>
+              <a:t>Filtering by non-retuned nodes</a:t>
             </a:r>
           </a:p>
         </p:txBody>
@@ -7573,66 +7673,12 @@
           <a:bodyPr/>
           <a:lstStyle/>
           <a:p>
-            <a:pPr lvl="1">
-              <a:buNone/>
-              <a:defRPr sz="1500"/>
-            </a:pPr>
-            <a:r>
-              <a:t>1. Selects common PRE and POST relations by composite key:</a:t>
-            </a:r>
-          </a:p>
-          <a:p>
-            <a:pPr lvl="2">
-              <a:buChar char="•"/>
-              <a:defRPr sz="1500"/>
-            </a:pPr>
-            <a:r>
-              <a:t>GU: typically "NodeId", "EUtranCellFDDId", "GUtranCellRelationId".</a:t>
-            </a:r>
-          </a:p>
-          <a:p>
-            <a:pPr lvl="2">
-              <a:buChar char="•"/>
-              <a:defRPr sz="1500"/>
-            </a:pPr>
-            <a:r>
-              <a:t>NR: typically "NodeId", "NRCellCUId", "NRCellRelationId".</a:t>
-            </a:r>
-          </a:p>
-          <a:p>
-            <a:pPr lvl="1">
-              <a:buNone/>
-              <a:defRPr sz="1500"/>
-            </a:pPr>
-            <a:r>
-              <a:t>2. Excludes control columns (keys, frequency, Pre/Post, Date).</a:t>
-            </a:r>
-          </a:p>
-          <a:p>
-            <a:pPr lvl="1">
-              <a:buNone/>
-              <a:defRPr sz="1500"/>
-            </a:pPr>
-            <a:r>
-              <a:t>3. Compares value-by-value across shared columns.</a:t>
-            </a:r>
-          </a:p>
-          <a:p>
-            <a:pPr lvl="1">
-              <a:buNone/>
-              <a:defRPr sz="1500"/>
-            </a:pPr>
-            <a:r>
-              <a:t>4. Sets "ParamDiff=True" if at least one column differs.</a:t>
-            </a:r>
-          </a:p>
-          <a:p>
-            <a:pPr lvl="1">
-              <a:buNone/>
-              <a:defRPr sz="1500"/>
-            </a:pPr>
-            <a:r>
-              <a:t>5. In GU it ignores "timeOfCreation" and "mobilityStatusNR" to avoid false positives.</a:t>
+            <a:pPr>
+              <a:buNone/>
+              <a:defRPr sz="1500"/>
+            </a:pPr>
+            <a:r>
+              <a:t>If a POST SummaryAudit exists, the module obtains PRE/POST node lists and can exclude discrepancies whose target points to nodes that did not complete retune, reducing operational noise.</a:t>
             </a:r>
           </a:p>
         </p:txBody>
@@ -7683,7 +7729,7 @@
               </a:defRPr>
             </a:pPr>
             <a:r>
-              <a:t>How it detects frequency discrepancies</a:t>
+              <a:t>How it detects parameter discrepancies</a:t>
             </a:r>
           </a:p>
         </p:txBody>
@@ -7708,16 +7754,7 @@
               <a:defRPr sz="1500"/>
             </a:pPr>
             <a:r>
-              <a:t>1. Extracts base frequency from relation references ("extract_gu_freq_base" / "extract_nr_freq_base").</a:t>
-            </a:r>
-          </a:p>
-          <a:p>
-            <a:pPr lvl="1">
-              <a:buNone/>
-              <a:defRPr sz="1500"/>
-            </a:pPr>
-            <a:r>
-              <a:t>2. Discrepancy rule:</a:t>
+              <a:t>1. Selects common PRE and POST relations by composite key:</a:t>
             </a:r>
           </a:p>
           <a:p>
@@ -7726,16 +7763,7 @@
               <a:defRPr sz="1500"/>
             </a:pPr>
             <a:r>
-              <a:t>if PRE had "freq_before" or "freq_after", and POST does not end up in "freq_after", it marks "FreqDiff=True".</a:t>
-            </a:r>
-          </a:p>
-          <a:p>
-            <a:pPr lvl="1">
-              <a:buNone/>
-              <a:defRPr sz="1500"/>
-            </a:pPr>
-            <a:r>
-              <a:t>3. Classifies the discrepancy as:</a:t>
+              <a:t>GU: typically "NodeId", "EUtranCellFDDId", "GUtranCellRelationId".</a:t>
             </a:r>
           </a:p>
           <a:p>
@@ -7744,16 +7772,43 @@
               <a:defRPr sz="1500"/>
             </a:pPr>
             <a:r>
-              <a:t>"FreqDiff_SSBPost" (target identified as SSB-Post),</a:t>
-            </a:r>
-          </a:p>
-          <a:p>
-            <a:pPr lvl="2">
-              <a:buChar char="•"/>
-              <a:defRPr sz="1500"/>
-            </a:pPr>
-            <a:r>
-              <a:t>"FreqDiff_Unknown" (cannot be associated to a known target).</a:t>
+              <a:t>NR: typically "NodeId", "NRCellCUId", "NRCellRelationId".</a:t>
+            </a:r>
+          </a:p>
+          <a:p>
+            <a:pPr lvl="1">
+              <a:buNone/>
+              <a:defRPr sz="1500"/>
+            </a:pPr>
+            <a:r>
+              <a:t>2. Excludes control columns (keys, frequency, Pre/Post, Date).</a:t>
+            </a:r>
+          </a:p>
+          <a:p>
+            <a:pPr lvl="1">
+              <a:buNone/>
+              <a:defRPr sz="1500"/>
+            </a:pPr>
+            <a:r>
+              <a:t>3. Compares value-by-value across shared columns.</a:t>
+            </a:r>
+          </a:p>
+          <a:p>
+            <a:pPr lvl="1">
+              <a:buNone/>
+              <a:defRPr sz="1500"/>
+            </a:pPr>
+            <a:r>
+              <a:t>4. Sets "ParamDiff=True" if at least one column differs.</a:t>
+            </a:r>
+          </a:p>
+          <a:p>
+            <a:pPr lvl="1">
+              <a:buNone/>
+              <a:defRPr sz="1500"/>
+            </a:pPr>
+            <a:r>
+              <a:t>5. In GU it ignores "timeOfCreation" and "mobilityStatusNR" to avoid false positives.</a:t>
             </a:r>
           </a:p>
         </p:txBody>
@@ -7922,7 +7977,7 @@
               </a:defRPr>
             </a:pPr>
             <a:r>
-              <a:t>How it detects neighbor discrepancies</a:t>
+              <a:t>How it detects frequency discrepancies</a:t>
             </a:r>
           </a:p>
         </p:txBody>
@@ -7942,39 +7997,57 @@
           <a:bodyPr/>
           <a:lstStyle/>
           <a:p>
-            <a:pPr>
-              <a:buNone/>
-              <a:defRPr sz="1500"/>
-            </a:pPr>
-            <a:r>
-              <a:t>They are split into three groups:</a:t>
-            </a:r>
-          </a:p>
-          <a:p>
-            <a:pPr lvl="1">
-              <a:buChar char="•"/>
-              <a:defRPr sz="1500"/>
-            </a:pPr>
-            <a:r>
-              <a:t>New relations: keys present in POST and absent in PRE.</a:t>
-            </a:r>
-          </a:p>
-          <a:p>
-            <a:pPr lvl="1">
-              <a:buChar char="•"/>
-              <a:defRPr sz="1500"/>
-            </a:pPr>
-            <a:r>
-              <a:t>Missing relations: keys present in PRE and absent in POST.</a:t>
-            </a:r>
-          </a:p>
-          <a:p>
-            <a:pPr lvl="1">
-              <a:buChar char="•"/>
-              <a:defRPr sz="1500"/>
-            </a:pPr>
-            <a:r>
-              <a:t>Discrepancies: same key in PRE/POST but with parametric or frequency differences.</a:t>
+            <a:pPr lvl="1">
+              <a:buNone/>
+              <a:defRPr sz="1500"/>
+            </a:pPr>
+            <a:r>
+              <a:t>1. Extracts base frequency from relation references ("extract_gu_freq_base" / "extract_nr_freq_base").</a:t>
+            </a:r>
+          </a:p>
+          <a:p>
+            <a:pPr lvl="1">
+              <a:buNone/>
+              <a:defRPr sz="1500"/>
+            </a:pPr>
+            <a:r>
+              <a:t>2. Discrepancy rule:</a:t>
+            </a:r>
+          </a:p>
+          <a:p>
+            <a:pPr lvl="2">
+              <a:buChar char="•"/>
+              <a:defRPr sz="1500"/>
+            </a:pPr>
+            <a:r>
+              <a:t>if PRE had "freq_before" or "freq_after", and POST does not end up in "freq_after", it marks "FreqDiff=True".</a:t>
+            </a:r>
+          </a:p>
+          <a:p>
+            <a:pPr lvl="1">
+              <a:buNone/>
+              <a:defRPr sz="1500"/>
+            </a:pPr>
+            <a:r>
+              <a:t>3. Classifies the discrepancy as:</a:t>
+            </a:r>
+          </a:p>
+          <a:p>
+            <a:pPr lvl="2">
+              <a:buChar char="•"/>
+              <a:defRPr sz="1500"/>
+            </a:pPr>
+            <a:r>
+              <a:t>"FreqDiff_SSBPost" (target identified as SSB-Post),</a:t>
+            </a:r>
+          </a:p>
+          <a:p>
+            <a:pPr lvl="2">
+              <a:buChar char="•"/>
+              <a:defRPr sz="1500"/>
+            </a:pPr>
+            <a:r>
+              <a:t>"FreqDiff_Unknown" (cannot be associated to a known target).</a:t>
             </a:r>
           </a:p>
         </p:txBody>
@@ -8025,7 +8098,7 @@
               </a:defRPr>
             </a:pPr>
             <a:r>
-              <a:t>Content of each ConsistencyChecks output sheet</a:t>
+              <a:t>How it detects neighbor discrepancies</a:t>
             </a:r>
           </a:p>
         </p:txBody>
@@ -8045,93 +8118,39 @@
           <a:bodyPr/>
           <a:lstStyle/>
           <a:p>
-            <a:pPr lvl="1">
-              <a:buChar char="•"/>
-              <a:defRPr sz="1500"/>
-            </a:pPr>
-            <a:r>
-              <a:t>Summary: KPIs per table (PRE/POST volume, discrepancies, new/missing, source files).</a:t>
-            </a:r>
-          </a:p>
-          <a:p>
-            <a:pPr lvl="1">
-              <a:buChar char="•"/>
-              <a:defRPr sz="1500"/>
-            </a:pPr>
-            <a:r>
-              <a:t>SummaryAuditComparisson: diff of SummaryAudit PRE vs POST metrics (without "ExtraInfo" to keep the comparison clean).</a:t>
-            </a:r>
-          </a:p>
-          <a:p>
-            <a:pPr lvl="1">
-              <a:buChar char="•"/>
-              <a:defRPr sz="1500"/>
-            </a:pPr>
-            <a:r>
-              <a:t>Summary_CellRelation: KPI per "Freq_Pre/Freq_Post" pair and per technology.</a:t>
-            </a:r>
-          </a:p>
-          <a:p>
-            <a:pPr lvl="1">
-              <a:buChar char="•"/>
-              <a:defRPr sz="1500"/>
-            </a:pPr>
-            <a:r>
-              <a:t>GU_relations / NR_relations: relation universe enriched with target classification and command snippets.</a:t>
-            </a:r>
-          </a:p>
-          <a:p>
-            <a:pPr lvl="1">
-              <a:buChar char="•"/>
-              <a:defRPr sz="1500"/>
-            </a:pPr>
-            <a:r>
-              <a:t>GU_param_disc / NR_param_disc: common relations with param differences.</a:t>
-            </a:r>
-          </a:p>
-          <a:p>
-            <a:pPr lvl="1">
-              <a:buChar char="•"/>
-              <a:defRPr sz="1500"/>
-            </a:pPr>
-            <a:r>
-              <a:t>GU_freq_disc / NR_freq_disc: frequency discrepancies to SSB-Post targets.</a:t>
-            </a:r>
-          </a:p>
-          <a:p>
-            <a:pPr lvl="1">
-              <a:buChar char="•"/>
-              <a:defRPr sz="1500"/>
-            </a:pPr>
-            <a:r>
-              <a:t>GU_freq_disc_unknown / NR_freq_disc_unknown: discrepancies with non-classifiable targets.</a:t>
-            </a:r>
-          </a:p>
-          <a:p>
-            <a:pPr lvl="1">
-              <a:buChar char="•"/>
-              <a:defRPr sz="1500"/>
-            </a:pPr>
-            <a:r>
-              <a:t>GU_missing / NR_missing: relations removed versus PRE.</a:t>
-            </a:r>
-          </a:p>
-          <a:p>
-            <a:pPr lvl="1">
-              <a:buChar char="•"/>
-              <a:defRPr sz="1500"/>
-            </a:pPr>
-            <a:r>
-              <a:t>GU_new / NR_new: relations added in POST.</a:t>
-            </a:r>
-          </a:p>
-          <a:p>
-            <a:pPr lvl="1">
-              <a:buChar char="•"/>
-              <a:defRPr sz="1500"/>
-            </a:pPr>
-            <a:r>
-              <a:t>GU_all / NR_all: optional consolidated dump for extended analysis.</a:t>
+            <a:pPr>
+              <a:buNone/>
+              <a:defRPr sz="1500"/>
+            </a:pPr>
+            <a:r>
+              <a:t>They are split into three groups:</a:t>
+            </a:r>
+          </a:p>
+          <a:p>
+            <a:pPr lvl="1">
+              <a:buChar char="•"/>
+              <a:defRPr sz="1500"/>
+            </a:pPr>
+            <a:r>
+              <a:t>New relations: keys present in POST and absent in PRE.</a:t>
+            </a:r>
+          </a:p>
+          <a:p>
+            <a:pPr lvl="1">
+              <a:buChar char="•"/>
+              <a:defRPr sz="1500"/>
+            </a:pPr>
+            <a:r>
+              <a:t>Missing relations: keys present in PRE and absent in POST.</a:t>
+            </a:r>
+          </a:p>
+          <a:p>
+            <a:pPr lvl="1">
+              <a:buChar char="•"/>
+              <a:defRPr sz="1500"/>
+            </a:pPr>
+            <a:r>
+              <a:t>Discrepancies: same key in PRE/POST but with parametric or frequency differences.</a:t>
             </a:r>
           </a:p>
         </p:txBody>
@@ -8170,7 +8189,19 @@
           <a:lstStyle/>
           <a:p>
             <a:r>
-              <a:t>Input requirements and operational best practices</a:t>
+              <a:t>Consistency Check module in detail</a:t>
+            </a:r>
+          </a:p>
+          <a:p>
+            <a:pPr>
+              <a:defRPr b="0" sz="2000">
+                <a:solidFill>
+                  <a:schemeClr val="accent2"/>
+                </a:solidFill>
+              </a:defRPr>
+            </a:pPr>
+            <a:r>
+              <a:t>Content of each ConsistencyChecks output sheet</a:t>
             </a:r>
           </a:p>
         </p:txBody>
@@ -8195,70 +8226,88 @@
               <a:defRPr sz="1500"/>
             </a:pPr>
             <a:r>
-              <a:t>Keep market log exports in a consistent structure (especially for bulk).</a:t>
-            </a:r>
-          </a:p>
-          <a:p>
-            <a:pPr lvl="1">
-              <a:buChar char="•"/>
-              <a:defRPr sz="1500"/>
-            </a:pPr>
-            <a:r>
-              <a:t>Validate that PRE/POST have the same table granularity and consistent naming.</a:t>
-            </a:r>
-          </a:p>
-          <a:p>
-            <a:pPr lvl="1">
-              <a:buChar char="•"/>
-              <a:defRPr sz="1500"/>
-            </a:pPr>
-            <a:r>
-              <a:t>Validate frequency inputs ("n77_ssb_pre", "n77_ssb_post", "n77b_ssb") before batch execution.</a:t>
-            </a:r>
-          </a:p>
-          <a:p>
-            <a:pPr lvl="1">
-              <a:buChar char="•"/>
-              <a:defRPr sz="1500"/>
-            </a:pPr>
-            <a:r>
-              <a:t>Correctly configure allowed SSB/ARFCN lists to minimize false positives.</a:t>
-            </a:r>
-          </a:p>
-          <a:p>
-            <a:pPr lvl="1">
-              <a:buChar char="•"/>
-              <a:defRPr sz="1500"/>
-            </a:pPr>
-            <a:r>
-              <a:t>Run Configuration Audit before Consistency Checks whenever possible.</a:t>
-            </a:r>
-          </a:p>
-          <a:p>
-            <a:pPr lvl="1">
-              <a:buChar char="•"/>
-              <a:defRPr sz="1500"/>
-            </a:pPr>
-            <a:r>
-              <a:t>Use Bulk mode only with a controlled folder naming convention.</a:t>
-            </a:r>
-          </a:p>
-          <a:p>
-            <a:pPr lvl="1">
-              <a:buChar char="•"/>
-              <a:defRPr sz="1500"/>
-            </a:pPr>
-            <a:r>
-              <a:t>Review "Summary" and "Summary_CellRelation" first, then then deep-dive into detail sheets (ConfigurationAudit) and discrepancy tabs (ConsistencyCheck).</a:t>
-            </a:r>
-          </a:p>
-          <a:p>
-            <a:pPr lvl="1">
-              <a:buChar char="•"/>
-              <a:defRPr sz="1500"/>
-            </a:pPr>
-            <a:r>
-              <a:t>Consume "Correction_Cmd_CA" and "Correction_Cmd_CC" as a remediation proposal, not as blind execution.</a:t>
+              <a:t>Summary: KPIs per table (PRE/POST volume, discrepancies, new/missing, source files).</a:t>
+            </a:r>
+          </a:p>
+          <a:p>
+            <a:pPr lvl="1">
+              <a:buChar char="•"/>
+              <a:defRPr sz="1500"/>
+            </a:pPr>
+            <a:r>
+              <a:t>SummaryAuditComparisson: diff of SummaryAudit PRE vs POST metrics (without "ExtraInfo" to keep the comparison clean).</a:t>
+            </a:r>
+          </a:p>
+          <a:p>
+            <a:pPr lvl="1">
+              <a:buChar char="•"/>
+              <a:defRPr sz="1500"/>
+            </a:pPr>
+            <a:r>
+              <a:t>Summary_CellRelation: KPI per "Freq_Pre/Freq_Post" pair and per technology.</a:t>
+            </a:r>
+          </a:p>
+          <a:p>
+            <a:pPr lvl="1">
+              <a:buChar char="•"/>
+              <a:defRPr sz="1500"/>
+            </a:pPr>
+            <a:r>
+              <a:t>GU_relations / NR_relations: relation universe enriched with target classification and command snippets.</a:t>
+            </a:r>
+          </a:p>
+          <a:p>
+            <a:pPr lvl="1">
+              <a:buChar char="•"/>
+              <a:defRPr sz="1500"/>
+            </a:pPr>
+            <a:r>
+              <a:t>GU_param_disc / NR_param_disc: common relations with param differences.</a:t>
+            </a:r>
+          </a:p>
+          <a:p>
+            <a:pPr lvl="1">
+              <a:buChar char="•"/>
+              <a:defRPr sz="1500"/>
+            </a:pPr>
+            <a:r>
+              <a:t>GU_freq_disc / NR_freq_disc: frequency discrepancies to SSB-Post targets.</a:t>
+            </a:r>
+          </a:p>
+          <a:p>
+            <a:pPr lvl="1">
+              <a:buChar char="•"/>
+              <a:defRPr sz="1500"/>
+            </a:pPr>
+            <a:r>
+              <a:t>GU_freq_disc_unknown / NR_freq_disc_unknown: discrepancies with non-classifiable targets.</a:t>
+            </a:r>
+          </a:p>
+          <a:p>
+            <a:pPr lvl="1">
+              <a:buChar char="•"/>
+              <a:defRPr sz="1500"/>
+            </a:pPr>
+            <a:r>
+              <a:t>GU_missing / NR_missing: relations removed versus PRE.</a:t>
+            </a:r>
+          </a:p>
+          <a:p>
+            <a:pPr lvl="1">
+              <a:buChar char="•"/>
+              <a:defRPr sz="1500"/>
+            </a:pPr>
+            <a:r>
+              <a:t>GU_new / NR_new: relations added in POST.</a:t>
+            </a:r>
+          </a:p>
+          <a:p>
+            <a:pPr lvl="1">
+              <a:buChar char="•"/>
+              <a:defRPr sz="1500"/>
+            </a:pPr>
+            <a:r>
+              <a:t>GU_all / NR_all: optional consolidated dump for extended analysis.</a:t>
             </a:r>
           </a:p>
         </p:txBody>
@@ -8297,7 +8346,7 @@
           <a:lstStyle/>
           <a:p>
             <a:r>
-              <a:t>Execution Modes and Versioning</a:t>
+              <a:t>Input requirements and operational best practices</a:t>
             </a:r>
           </a:p>
         </p:txBody>
@@ -8322,43 +8371,70 @@
               <a:defRPr sz="1500"/>
             </a:pPr>
             <a:r>
-              <a:t>GUI mode: run without CLI arguments.</a:t>
-            </a:r>
-          </a:p>
-          <a:p>
-            <a:pPr lvl="1">
-              <a:buChar char="•"/>
-              <a:defRPr sz="1500"/>
-            </a:pPr>
-            <a:r>
-              <a:t>CLI mode: run with explicit module and options.</a:t>
-            </a:r>
-          </a:p>
-          <a:p>
-            <a:pPr lvl="1">
-              <a:buChar char="•"/>
-              <a:defRPr sz="1500"/>
-            </a:pPr>
-            <a:r>
-              <a:t>Web Interfacee: the tool can be run in a server/client infrastructure, accessing the server through a Web Interface where you can unpload your inputs, enqueue different tasks and  export the results when finish..</a:t>
-            </a:r>
-          </a:p>
-          <a:p>
-            <a:pPr>
-              <a:buNone/>
-              <a:defRPr sz="1500"/>
-            </a:pPr>
-            <a:r>
-              <a:t>All Generated artifacts include a versioned suffix: "&lt;timestamp&gt;_v&lt;TOOL_VERSION&gt;".</a:t>
-            </a:r>
-          </a:p>
-          <a:p>
-            <a:pPr>
-              <a:buNone/>
-              <a:defRPr sz="1500"/>
-            </a:pPr>
-            <a:r>
-              <a:t>This guarantees traceability and avoids collisions between runs.</a:t>
+              <a:t>Keep market log exports in a consistent structure (especially for bulk).</a:t>
+            </a:r>
+          </a:p>
+          <a:p>
+            <a:pPr lvl="1">
+              <a:buChar char="•"/>
+              <a:defRPr sz="1500"/>
+            </a:pPr>
+            <a:r>
+              <a:t>Validate that PRE/POST have the same table granularity and consistent naming.</a:t>
+            </a:r>
+          </a:p>
+          <a:p>
+            <a:pPr lvl="1">
+              <a:buChar char="•"/>
+              <a:defRPr sz="1500"/>
+            </a:pPr>
+            <a:r>
+              <a:t>Validate frequency inputs ("n77_ssb_pre", "n77_ssb_post", "n77b_ssb") before batch execution.</a:t>
+            </a:r>
+          </a:p>
+          <a:p>
+            <a:pPr lvl="1">
+              <a:buChar char="•"/>
+              <a:defRPr sz="1500"/>
+            </a:pPr>
+            <a:r>
+              <a:t>Correctly configure allowed SSB/ARFCN lists to minimize false positives.</a:t>
+            </a:r>
+          </a:p>
+          <a:p>
+            <a:pPr lvl="1">
+              <a:buChar char="•"/>
+              <a:defRPr sz="1500"/>
+            </a:pPr>
+            <a:r>
+              <a:t>Run Configuration Audit before Consistency Checks whenever possible.</a:t>
+            </a:r>
+          </a:p>
+          <a:p>
+            <a:pPr lvl="1">
+              <a:buChar char="•"/>
+              <a:defRPr sz="1500"/>
+            </a:pPr>
+            <a:r>
+              <a:t>Use Bulk mode only with a controlled folder naming convention.</a:t>
+            </a:r>
+          </a:p>
+          <a:p>
+            <a:pPr lvl="1">
+              <a:buChar char="•"/>
+              <a:defRPr sz="1500"/>
+            </a:pPr>
+            <a:r>
+              <a:t>Review "Summary" and "Summary_CellRelation" first, then then deep-dive into detail sheets (ConfigurationAudit) and discrepancy tabs (ConsistencyCheck).</a:t>
+            </a:r>
+          </a:p>
+          <a:p>
+            <a:pPr lvl="1">
+              <a:buChar char="•"/>
+              <a:defRPr sz="1500"/>
+            </a:pPr>
+            <a:r>
+              <a:t>Consume "Correction_Cmd_CA" and "Correction_Cmd_CC" as a remediation proposal, not as blind execution.</a:t>
             </a:r>
           </a:p>
         </p:txBody>
@@ -8397,7 +8473,7 @@
           <a:lstStyle/>
           <a:p>
             <a:r>
-              <a:t>Known limitations and considerations</a:t>
+              <a:t>Execution Modes and Versioning</a:t>
             </a:r>
           </a:p>
         </p:txBody>
@@ -8422,25 +8498,43 @@
               <a:defRPr sz="1500"/>
             </a:pPr>
             <a:r>
-              <a:t>The engine depends on log quality and structure: missing columns downgrade checks to "N/A".</a:t>
-            </a:r>
-          </a:p>
-          <a:p>
-            <a:pPr lvl="1">
-              <a:buChar char="•"/>
-              <a:defRPr sz="1500"/>
-            </a:pPr>
-            <a:r>
-              <a:t>Some rules depend on naming conventions in references (NR/GU relation refs).</a:t>
-            </a:r>
-          </a:p>
-          <a:p>
-            <a:pPr lvl="1">
-              <a:buChar char="•"/>
-              <a:defRPr sz="1500"/>
-            </a:pPr>
-            <a:r>
-              <a:t>The Final Clean-Up module is prepared to extend operation-specific policies.</a:t>
+              <a:t>GUI mode: run without CLI arguments.</a:t>
+            </a:r>
+          </a:p>
+          <a:p>
+            <a:pPr lvl="1">
+              <a:buChar char="•"/>
+              <a:defRPr sz="1500"/>
+            </a:pPr>
+            <a:r>
+              <a:t>CLI mode: run with explicit module and options.</a:t>
+            </a:r>
+          </a:p>
+          <a:p>
+            <a:pPr lvl="1">
+              <a:buChar char="•"/>
+              <a:defRPr sz="1500"/>
+            </a:pPr>
+            <a:r>
+              <a:t>Web Interfacee: the tool can be run in a server/client infrastructure, accessing the server through a Web Interface where you can unpload your inputs, enqueue different tasks and  export the results when finish..</a:t>
+            </a:r>
+          </a:p>
+          <a:p>
+            <a:pPr>
+              <a:buNone/>
+              <a:defRPr sz="1500"/>
+            </a:pPr>
+            <a:r>
+              <a:t>All Generated artifacts include a versioned suffix: "&lt;timestamp&gt;_v&lt;TOOL_VERSION&gt;".</a:t>
+            </a:r>
+          </a:p>
+          <a:p>
+            <a:pPr>
+              <a:buNone/>
+              <a:defRPr sz="1500"/>
+            </a:pPr>
+            <a:r>
+              <a:t>This guarantees traceability and avoids collisions between runs.</a:t>
             </a:r>
           </a:p>
         </p:txBody>
@@ -8454,6 +8548,88 @@
 </file>
 
 <file path=ppt/slides/slide25.xml><?xml version="1.0" encoding="utf-8"?>
+<p:sld xmlns:a="http://schemas.openxmlformats.org/drawingml/2006/main" xmlns:p="http://schemas.openxmlformats.org/presentationml/2006/main" xmlns:r="http://schemas.openxmlformats.org/officeDocument/2006/relationships">
+  <p:cSld>
+    <p:spTree>
+      <p:nvGrpSpPr>
+        <p:cNvPr id="1" name=""/>
+        <p:cNvGrpSpPr/>
+        <p:nvPr/>
+      </p:nvGrpSpPr>
+      <p:grpSpPr/>
+      <p:sp>
+        <p:nvSpPr>
+          <p:cNvPr id="2" name="Title 1"/>
+          <p:cNvSpPr>
+            <a:spLocks noGrp="1"/>
+          </p:cNvSpPr>
+          <p:nvPr>
+            <p:ph type="title"/>
+          </p:nvPr>
+        </p:nvSpPr>
+        <p:spPr/>
+        <p:txBody>
+          <a:bodyPr/>
+          <a:lstStyle/>
+          <a:p>
+            <a:r>
+              <a:t>Known limitations and considerations</a:t>
+            </a:r>
+          </a:p>
+        </p:txBody>
+      </p:sp>
+      <p:sp>
+        <p:nvSpPr>
+          <p:cNvPr id="3" name="Content Placeholder 2"/>
+          <p:cNvSpPr>
+            <a:spLocks noGrp="1"/>
+          </p:cNvSpPr>
+          <p:nvPr>
+            <p:ph idx="1"/>
+          </p:nvPr>
+        </p:nvSpPr>
+        <p:spPr/>
+        <p:txBody>
+          <a:bodyPr/>
+          <a:lstStyle/>
+          <a:p>
+            <a:pPr lvl="1">
+              <a:buChar char="•"/>
+              <a:defRPr sz="1500"/>
+            </a:pPr>
+            <a:r>
+              <a:t>The engine depends on log quality and structure: missing columns downgrade checks to "N/A".</a:t>
+            </a:r>
+          </a:p>
+          <a:p>
+            <a:pPr lvl="1">
+              <a:buChar char="•"/>
+              <a:defRPr sz="1500"/>
+            </a:pPr>
+            <a:r>
+              <a:t>Some rules depend on naming conventions in references (NR/GU relation refs).</a:t>
+            </a:r>
+          </a:p>
+          <a:p>
+            <a:pPr lvl="1">
+              <a:buChar char="•"/>
+              <a:defRPr sz="1500"/>
+            </a:pPr>
+            <a:r>
+              <a:t>The Final Clean-Up module is prepared to extend operation-specific policies.</a:t>
+            </a:r>
+          </a:p>
+        </p:txBody>
+      </p:sp>
+    </p:spTree>
+  </p:cSld>
+  <p:clrMapOvr>
+    <a:masterClrMapping/>
+  </p:clrMapOvr>
+</p:sld>
+</file>
+
+<file path=ppt/slides/slide26.xml><?xml version="1.0" encoding="utf-8"?>
 <p:sld xmlns:a="http://schemas.openxmlformats.org/drawingml/2006/main" xmlns:p="http://schemas.openxmlformats.org/presentationml/2006/main" xmlns:r="http://schemas.openxmlformats.org/officeDocument/2006/relationships">
   <p:cSld>
     <p:spTree>
@@ -9191,24 +9367,6 @@
               <a:t>Common layer and utilities</a:t>
             </a:r>
           </a:p>
-          <a:p>
-            <a:pPr lvl="1">
-              <a:buChar char="•"/>
-              <a:defRPr sz="1500"/>
-            </a:pPr>
-            <a:r>
-              <a:t>"src/modules/Common/*.py": correction command logic and shared functions.</a:t>
-            </a:r>
-          </a:p>
-          <a:p>
-            <a:pPr lvl="1">
-              <a:buChar char="•"/>
-              <a:defRPr sz="1500"/>
-            </a:pPr>
-            <a:r>
-              <a:t>"src/utils/*.py": IO, parsing, frequency handling, Excel, pivots, sorting, infrastructure, and timing.</a:t>
-            </a:r>
-          </a:p>
         </p:txBody>
       </p:sp>
     </p:spTree>
@@ -9245,7 +9403,7 @@
           <a:lstStyle/>
           <a:p>
             <a:r>
-              <a:t>Inputs, outputs, and content per module</a:t>
+              <a:t>Repository technical architecture</a:t>
             </a:r>
           </a:p>
           <a:p>
@@ -9257,7 +9415,7 @@
               </a:defRPr>
             </a:pPr>
             <a:r>
-              <a:t>Module 0 — Update Network Frequencies</a:t>
+              <a:t>Main files (cont.)</a:t>
             </a:r>
           </a:p>
         </p:txBody>
@@ -9277,102 +9435,21 @@
           <a:bodyPr/>
           <a:lstStyle/>
           <a:p>
-            <a:pPr>
-              <a:buNone/>
-              <a:defRPr b="1" sz="1600"/>
-            </a:pPr>
-            <a:r>
-              <a:t>Input</a:t>
-            </a:r>
-          </a:p>
-          <a:p>
-            <a:pPr lvl="1">
-              <a:buChar char="•"/>
-              <a:defRPr sz="1500"/>
-            </a:pPr>
-            <a:r>
-              <a:t>Input folder (may contain subfolders/ZIPs already supported by the IO layer).</a:t>
-            </a:r>
-          </a:p>
-          <a:p>
-            <a:pPr lvl="1">
-              <a:buChar char="•"/>
-              <a:defRPr sz="1500"/>
-            </a:pPr>
-            <a:r>
-              <a:t>Logs with an "NRFrequency" table and the "arfcnValueNRDl" column.</a:t>
-            </a:r>
-          </a:p>
-          <a:p>
-            <a:pPr>
-              <a:buNone/>
-              <a:defRPr b="1" sz="1600"/>
-            </a:pPr>
-            <a:r>
-              <a:t>Process</a:t>
-            </a:r>
-          </a:p>
-          <a:p>
-            <a:pPr lvl="1">
-              <a:buNone/>
-              <a:defRPr sz="1500"/>
-            </a:pPr>
-            <a:r>
-              <a:t>1. Scan logs and detects "NRFrequency" blocks.</a:t>
-            </a:r>
-          </a:p>
-          <a:p>
-            <a:pPr lvl="1">
-              <a:buNone/>
-              <a:defRPr sz="1500"/>
-            </a:pPr>
-            <a:r>
-              <a:t>2. Extracts numeric values from "arfcnValueNRDl".</a:t>
-            </a:r>
-          </a:p>
-          <a:p>
-            <a:pPr lvl="1">
-              <a:buNone/>
-              <a:defRPr sz="1500"/>
-            </a:pPr>
-            <a:r>
-              <a:t>3. Removes duplicates and sorts frequencies.</a:t>
-            </a:r>
-          </a:p>
-          <a:p>
-            <a:pPr lvl="1">
-              <a:buNone/>
-              <a:defRPr sz="1500"/>
-            </a:pPr>
-            <a:r>
-              <a:t>4. Updates the persisted “Network frequencies” configuration for GUI/CLI.</a:t>
-            </a:r>
-          </a:p>
-          <a:p>
-            <a:pPr>
-              <a:buNone/>
-              <a:defRPr b="1" sz="1600"/>
-            </a:pPr>
-            <a:r>
-              <a:t>Output</a:t>
-            </a:r>
-          </a:p>
-          <a:p>
-            <a:pPr lvl="1">
-              <a:buChar char="•"/>
-              <a:defRPr sz="1500"/>
-            </a:pPr>
-            <a:r>
-              <a:t>Does not generate Excel/PPT.</a:t>
-            </a:r>
-          </a:p>
-          <a:p>
-            <a:pPr lvl="1">
-              <a:buChar char="•"/>
-              <a:defRPr sz="1500"/>
-            </a:pPr>
-            <a:r>
-              <a:t>Updates the persisted network frequency value used for filtering and selection in later runs.</a:t>
+            <a:pPr lvl="1">
+              <a:buChar char="•"/>
+              <a:defRPr sz="1500"/>
+            </a:pPr>
+            <a:r>
+              <a:t>"src/modules/Common/*.py": correction command logic and shared functions.</a:t>
+            </a:r>
+          </a:p>
+          <a:p>
+            <a:pPr lvl="1">
+              <a:buChar char="•"/>
+              <a:defRPr sz="1500"/>
+            </a:pPr>
+            <a:r>
+              <a:t>"src/utils/*.py": IO, parsing, frequency handling, Excel, pivots, sorting, infrastructure, and timing.</a:t>
             </a:r>
           </a:p>
         </p:txBody>
@@ -9423,7 +9500,7 @@
               </a:defRPr>
             </a:pPr>
             <a:r>
-              <a:t>Module 1 — Configuration Audit &amp; Logs Parser</a:t>
+              <a:t>Module 0 — Update Network Frequencies</a:t>
             </a:r>
           </a:p>
         </p:txBody>
@@ -9448,106 +9525,25 @@
               <a:defRPr b="1" sz="1600"/>
             </a:pPr>
             <a:r>
-              <a:t>Inputs</a:t>
-            </a:r>
-          </a:p>
-          <a:p>
-            <a:pPr lvl="1">
-              <a:buChar char="•"/>
-              <a:defRPr sz="1500"/>
-            </a:pPr>
-            <a:r>
-              <a:t>Input folder with logs (".log", ".logs", ".txt") or ZIPs resolvable by utilities.</a:t>
-            </a:r>
-          </a:p>
-          <a:p>
-            <a:pPr lvl="1">
-              <a:buChar char="•"/>
-              <a:defRPr sz="1500"/>
-            </a:pPr>
-            <a:r>
-              <a:t>Frequency parameters:</a:t>
-            </a:r>
-          </a:p>
-          <a:p>
-            <a:pPr lvl="2">
-              <a:buChar char="•"/>
-              <a:defRPr sz="1500"/>
-            </a:pPr>
-            <a:r>
-              <a:t>"n77_ssb_pre"</a:t>
-            </a:r>
-          </a:p>
-          <a:p>
-            <a:pPr lvl="2">
-              <a:buChar char="•"/>
-              <a:defRPr sz="1500"/>
-            </a:pPr>
-            <a:r>
-              <a:t>"n77_ssb_post"</a:t>
-            </a:r>
-          </a:p>
-          <a:p>
-            <a:pPr lvl="2">
-              <a:buChar char="•"/>
-              <a:defRPr sz="1500"/>
-            </a:pPr>
-            <a:r>
-              <a:t>"n77b_ssb"</a:t>
-            </a:r>
-          </a:p>
-          <a:p>
-            <a:pPr lvl="2">
-              <a:buChar char="•"/>
-              <a:defRPr sz="1500"/>
-            </a:pPr>
-            <a:r>
-              <a:t>allowed SSB/ARFCN lists pre/post.</a:t>
-            </a:r>
-          </a:p>
-          <a:p>
-            <a:pPr lvl="1">
-              <a:buChar char="•"/>
-              <a:defRPr sz="1500"/>
-            </a:pPr>
-            <a:r>
-              <a:t>Flags:</a:t>
-            </a:r>
-          </a:p>
-          <a:p>
-            <a:pPr lvl="2">
-              <a:buChar char="•"/>
-              <a:defRPr sz="1500"/>
-            </a:pPr>
-            <a:r>
-              <a:t>"profiles_audit"</a:t>
-            </a:r>
-          </a:p>
-          <a:p>
-            <a:pPr lvl="2">
-              <a:buChar char="•"/>
-              <a:defRPr sz="1500"/>
-            </a:pPr>
-            <a:r>
-              <a:t>"frequency_audit"</a:t>
-            </a:r>
-          </a:p>
-          <a:p>
-            <a:pPr lvl="2">
-              <a:buChar char="•"/>
-              <a:defRPr sz="1500"/>
-            </a:pPr>
-            <a:r>
-              <a:t>"export_correction_cmd"</a:t>
-            </a:r>
-          </a:p>
-          <a:p>
-            <a:pPr lvl="2">
-              <a:buChar char="•"/>
-              <a:defRPr sz="1500"/>
-            </a:pPr>
-            <a:r>
-              <a:t>"fast_excel_export".</a:t>
+              <a:t>Input</a:t>
+            </a:r>
+          </a:p>
+          <a:p>
+            <a:pPr lvl="1">
+              <a:buChar char="•"/>
+              <a:defRPr sz="1500"/>
+            </a:pPr>
+            <a:r>
+              <a:t>Input folder (may contain subfolders/ZIPs already supported by the IO layer).</a:t>
+            </a:r>
+          </a:p>
+          <a:p>
+            <a:pPr lvl="1">
+              <a:buChar char="•"/>
+              <a:defRPr sz="1500"/>
+            </a:pPr>
+            <a:r>
+              <a:t>Logs with an "NRFrequency" table and the "arfcnValueNRDl" column.</a:t>
             </a:r>
           </a:p>
           <a:p>
@@ -9557,6 +9553,69 @@
             </a:pPr>
             <a:r>
               <a:t>Process</a:t>
+            </a:r>
+          </a:p>
+          <a:p>
+            <a:pPr lvl="1">
+              <a:buNone/>
+              <a:defRPr sz="1500"/>
+            </a:pPr>
+            <a:r>
+              <a:t>1. Scan logs and detects "NRFrequency" blocks.</a:t>
+            </a:r>
+          </a:p>
+          <a:p>
+            <a:pPr lvl="1">
+              <a:buNone/>
+              <a:defRPr sz="1500"/>
+            </a:pPr>
+            <a:r>
+              <a:t>2. Extracts numeric values from "arfcnValueNRDl".</a:t>
+            </a:r>
+          </a:p>
+          <a:p>
+            <a:pPr lvl="1">
+              <a:buNone/>
+              <a:defRPr sz="1500"/>
+            </a:pPr>
+            <a:r>
+              <a:t>3. Removes duplicates and sorts frequencies.</a:t>
+            </a:r>
+          </a:p>
+          <a:p>
+            <a:pPr lvl="1">
+              <a:buNone/>
+              <a:defRPr sz="1500"/>
+            </a:pPr>
+            <a:r>
+              <a:t>4. Updates the persisted “Network frequencies” configuration for GUI/CLI.</a:t>
+            </a:r>
+          </a:p>
+          <a:p>
+            <a:pPr>
+              <a:buNone/>
+              <a:defRPr b="1" sz="1600"/>
+            </a:pPr>
+            <a:r>
+              <a:t>Output</a:t>
+            </a:r>
+          </a:p>
+          <a:p>
+            <a:pPr lvl="1">
+              <a:buChar char="•"/>
+              <a:defRPr sz="1500"/>
+            </a:pPr>
+            <a:r>
+              <a:t>Does not generate Excel/PPT.</a:t>
+            </a:r>
+          </a:p>
+          <a:p>
+            <a:pPr lvl="1">
+              <a:buChar char="•"/>
+              <a:defRPr sz="1500"/>
+            </a:pPr>
+            <a:r>
+              <a:t>Updates the persisted network frequency value used for filtering and selection in later runs.</a:t>
             </a:r>
           </a:p>
         </p:txBody>
@@ -9607,7 +9666,7 @@
               </a:defRPr>
             </a:pPr>
             <a:r>
-              <a:t>Module 1 — Configuration Audit &amp; Logs Parser (cont.)</a:t>
+              <a:t>Module 1 — Configuration Audit &amp; Logs Parser</a:t>
             </a:r>
           </a:p>
         </p:txBody>
@@ -9627,84 +9686,30 @@
           <a:bodyPr/>
           <a:lstStyle/>
           <a:p>
-            <a:pPr lvl="1">
-              <a:buNone/>
-              <a:defRPr sz="1500"/>
-            </a:pPr>
-            <a:r>
-              <a:t>1. Parses files and extracts MO tables by "SubNetwork" blocks.</a:t>
-            </a:r>
-          </a:p>
-          <a:p>
-            <a:pPr lvl="1">
-              <a:buNone/>
-              <a:defRPr sz="1500"/>
-            </a:pPr>
-            <a:r>
-              <a:t>2. Generates one sheet per detected table.</a:t>
-            </a:r>
-          </a:p>
-          <a:p>
-            <a:pPr lvl="1">
-              <a:buNone/>
-              <a:defRPr sz="1500"/>
-            </a:pPr>
-            <a:r>
-              <a:t>3. Builds "SummaryAudit" + pivots/auxiliary summaries.</a:t>
-            </a:r>
-          </a:p>
-          <a:p>
-            <a:pPr lvl="1">
-              <a:buNone/>
-              <a:defRPr sz="1500"/>
-            </a:pPr>
-            <a:r>
-              <a:t>4. Runs profiles audit if enabled.</a:t>
-            </a:r>
-          </a:p>
-          <a:p>
-            <a:pPr lvl="1">
-              <a:buNone/>
-              <a:defRPr sz="1500"/>
-            </a:pPr>
-            <a:r>
-              <a:t>5. Exports CA correction commands if requested.</a:t>
-            </a:r>
-          </a:p>
-          <a:p>
-            <a:pPr lvl="1">
-              <a:buNone/>
-              <a:defRPr sz="1500"/>
-            </a:pPr>
-            <a:r>
-              <a:t>6. Generates the summary PPT.</a:t>
-            </a:r>
-          </a:p>
-          <a:p>
             <a:pPr>
               <a:buNone/>
               <a:defRPr b="1" sz="1600"/>
             </a:pPr>
             <a:r>
-              <a:t>Outputs</a:t>
-            </a:r>
-          </a:p>
-          <a:p>
-            <a:pPr lvl="1">
-              <a:buChar char="•"/>
-              <a:defRPr sz="1500"/>
-            </a:pPr>
-            <a:r>
-              <a:t>Folder "ConfigurationAudit_&lt;timestamp&gt;_v&lt;version&gt;/".</a:t>
-            </a:r>
-          </a:p>
-          <a:p>
-            <a:pPr lvl="1">
-              <a:buChar char="•"/>
-              <a:defRPr sz="1500"/>
-            </a:pPr>
-            <a:r>
-              <a:t>Excel file "ConfigurationAudit_&lt;timestamp&gt;_v&lt;version&gt;.xlsx":</a:t>
+              <a:t>Inputs</a:t>
+            </a:r>
+          </a:p>
+          <a:p>
+            <a:pPr lvl="1">
+              <a:buChar char="•"/>
+              <a:defRPr sz="1500"/>
+            </a:pPr>
+            <a:r>
+              <a:t>Input folder with logs (".log", ".logs", ".txt") or ZIPs resolvable by utilities.</a:t>
+            </a:r>
+          </a:p>
+          <a:p>
+            <a:pPr lvl="1">
+              <a:buChar char="•"/>
+              <a:defRPr sz="1500"/>
+            </a:pPr>
+            <a:r>
+              <a:t>Frequency parameters:</a:t>
             </a:r>
           </a:p>
           <a:p>
@@ -9713,7 +9718,7 @@
               <a:defRPr sz="1500"/>
             </a:pPr>
             <a:r>
-              <a:t>Sheets for each parsed MO table.</a:t>
+              <a:t>"n77_ssb_pre"</a:t>
             </a:r>
           </a:p>
           <a:p>
@@ -9722,7 +9727,7 @@
               <a:defRPr sz="1500"/>
             </a:pPr>
             <a:r>
-              <a:t>"SummaryAudit".</a:t>
+              <a:t>"n77_ssb_post"</a:t>
             </a:r>
           </a:p>
           <a:p>
@@ -9731,7 +9736,7 @@
               <a:defRPr sz="1500"/>
             </a:pPr>
             <a:r>
-              <a:t>NR/LTE parameter discrepancy sheets.</a:t>
+              <a:t>"n77b_ssb"</a:t>
             </a:r>
           </a:p>
           <a:p>
@@ -9740,25 +9745,52 @@
               <a:defRPr sz="1500"/>
             </a:pPr>
             <a:r>
-              <a:t>Summary/pivot sheets by frequencies and relations.</a:t>
-            </a:r>
-          </a:p>
-          <a:p>
-            <a:pPr lvl="1">
-              <a:buChar char="•"/>
-              <a:defRPr sz="1500"/>
-            </a:pPr>
-            <a:r>
-              <a:t>PPT file "ConfigurationAudit_&lt;timestamp&gt;_v&lt;version&gt;.pptx".</a:t>
-            </a:r>
-          </a:p>
-          <a:p>
-            <a:pPr lvl="1">
-              <a:buChar char="•"/>
-              <a:defRPr sz="1500"/>
-            </a:pPr>
-            <a:r>
-              <a:t>Optional folder "Correction_Cmd_CA/" with AMOS commands.</a:t>
+              <a:t>allowed SSB/ARFCN lists pre/post.</a:t>
+            </a:r>
+          </a:p>
+          <a:p>
+            <a:pPr lvl="1">
+              <a:buChar char="•"/>
+              <a:defRPr sz="1500"/>
+            </a:pPr>
+            <a:r>
+              <a:t>Flags:</a:t>
+            </a:r>
+          </a:p>
+          <a:p>
+            <a:pPr lvl="2">
+              <a:buChar char="•"/>
+              <a:defRPr sz="1500"/>
+            </a:pPr>
+            <a:r>
+              <a:t>"profiles_audit"</a:t>
+            </a:r>
+          </a:p>
+          <a:p>
+            <a:pPr lvl="2">
+              <a:buChar char="•"/>
+              <a:defRPr sz="1500"/>
+            </a:pPr>
+            <a:r>
+              <a:t>"frequency_audit"</a:t>
+            </a:r>
+          </a:p>
+          <a:p>
+            <a:pPr lvl="2">
+              <a:buChar char="•"/>
+              <a:defRPr sz="1500"/>
+            </a:pPr>
+            <a:r>
+              <a:t>"export_correction_cmd"</a:t>
+            </a:r>
+          </a:p>
+          <a:p>
+            <a:pPr lvl="2">
+              <a:buChar char="•"/>
+              <a:defRPr sz="1500"/>
+            </a:pPr>
+            <a:r>
+              <a:t>"fast_excel_export".</a:t>
             </a:r>
           </a:p>
           <a:p>
@@ -9767,7 +9799,7 @@
               <a:defRPr b="1" sz="1600"/>
             </a:pPr>
             <a:r>
-              <a:t>Main semantic content</a:t>
+              <a:t>Process</a:t>
             </a:r>
           </a:p>
         </p:txBody>
@@ -9839,11 +9871,83 @@
           <a:lstStyle/>
           <a:p>
             <a:pPr lvl="1">
-              <a:buChar char="•"/>
-              <a:defRPr sz="1500"/>
-            </a:pPr>
-            <a:r>
-              <a:t>SummaryAudit contains rows with:</a:t>
+              <a:buNone/>
+              <a:defRPr sz="1500"/>
+            </a:pPr>
+            <a:r>
+              <a:t>1. Parses files and extracts MO tables by "SubNetwork" blocks.</a:t>
+            </a:r>
+          </a:p>
+          <a:p>
+            <a:pPr lvl="1">
+              <a:buNone/>
+              <a:defRPr sz="1500"/>
+            </a:pPr>
+            <a:r>
+              <a:t>2. Generates one sheet per detected table.</a:t>
+            </a:r>
+          </a:p>
+          <a:p>
+            <a:pPr lvl="1">
+              <a:buNone/>
+              <a:defRPr sz="1500"/>
+            </a:pPr>
+            <a:r>
+              <a:t>3. Builds "SummaryAudit" + pivots/auxiliary summaries.</a:t>
+            </a:r>
+          </a:p>
+          <a:p>
+            <a:pPr lvl="1">
+              <a:buNone/>
+              <a:defRPr sz="1500"/>
+            </a:pPr>
+            <a:r>
+              <a:t>4. Runs profiles audit if enabled.</a:t>
+            </a:r>
+          </a:p>
+          <a:p>
+            <a:pPr lvl="1">
+              <a:buNone/>
+              <a:defRPr sz="1500"/>
+            </a:pPr>
+            <a:r>
+              <a:t>5. Exports CA correction commands if requested.</a:t>
+            </a:r>
+          </a:p>
+          <a:p>
+            <a:pPr lvl="1">
+              <a:buNone/>
+              <a:defRPr sz="1500"/>
+            </a:pPr>
+            <a:r>
+              <a:t>6. Generates the summary PPT.</a:t>
+            </a:r>
+          </a:p>
+          <a:p>
+            <a:pPr>
+              <a:buNone/>
+              <a:defRPr b="1" sz="1600"/>
+            </a:pPr>
+            <a:r>
+              <a:t>Outputs</a:t>
+            </a:r>
+          </a:p>
+          <a:p>
+            <a:pPr lvl="1">
+              <a:buChar char="•"/>
+              <a:defRPr sz="1500"/>
+            </a:pPr>
+            <a:r>
+              <a:t>Folder "ConfigurationAudit_&lt;timestamp&gt;_v&lt;version&gt;/".</a:t>
+            </a:r>
+          </a:p>
+          <a:p>
+            <a:pPr lvl="1">
+              <a:buChar char="•"/>
+              <a:defRPr sz="1500"/>
+            </a:pPr>
+            <a:r>
+              <a:t>Excel file "ConfigurationAudit_&lt;timestamp&gt;_v&lt;version&gt;.xlsx":</a:t>
             </a:r>
           </a:p>
           <a:p>
@@ -9852,7 +9956,7 @@
               <a:defRPr sz="1500"/>
             </a:pPr>
             <a:r>
-              <a:t>"Category", "SubCategory", "Metric", "Value", "ExtraInfo",</a:t>
+              <a:t>Sheets for each parsed MO table.</a:t>
             </a:r>
           </a:p>
           <a:p>
@@ -9861,25 +9965,52 @@
               <a:defRPr sz="1500"/>
             </a:pPr>
             <a:r>
-              <a:t>and execution context fields (stage, module, etc. depending on the flow).</a:t>
-            </a:r>
-          </a:p>
-          <a:p>
-            <a:pPr lvl="1">
-              <a:buChar char="•"/>
-              <a:defRPr sz="1500"/>
-            </a:pPr>
-            <a:r>
-              <a:t>"Value" usually represents a count of impacted nodes/cells/relations.</a:t>
-            </a:r>
-          </a:p>
-          <a:p>
-            <a:pPr lvl="1">
-              <a:buChar char="•"/>
-              <a:defRPr sz="1500"/>
-            </a:pPr>
-            <a:r>
-              <a:t>"ExtraInfo" contains the NodeId list or a compact discrepancy detail.</a:t>
+              <a:t>"SummaryAudit".</a:t>
+            </a:r>
+          </a:p>
+          <a:p>
+            <a:pPr lvl="2">
+              <a:buChar char="•"/>
+              <a:defRPr sz="1500"/>
+            </a:pPr>
+            <a:r>
+              <a:t>NR/LTE parameter discrepancy sheets.</a:t>
+            </a:r>
+          </a:p>
+          <a:p>
+            <a:pPr lvl="2">
+              <a:buChar char="•"/>
+              <a:defRPr sz="1500"/>
+            </a:pPr>
+            <a:r>
+              <a:t>Summary/pivot sheets by frequencies and relations.</a:t>
+            </a:r>
+          </a:p>
+          <a:p>
+            <a:pPr lvl="1">
+              <a:buChar char="•"/>
+              <a:defRPr sz="1500"/>
+            </a:pPr>
+            <a:r>
+              <a:t>PPT file "ConfigurationAudit_&lt;timestamp&gt;_v&lt;version&gt;.pptx".</a:t>
+            </a:r>
+          </a:p>
+          <a:p>
+            <a:pPr lvl="1">
+              <a:buChar char="•"/>
+              <a:defRPr sz="1500"/>
+            </a:pPr>
+            <a:r>
+              <a:t>Optional folder "Correction_Cmd_CA/" with AMOS commands.</a:t>
+            </a:r>
+          </a:p>
+          <a:p>
+            <a:pPr>
+              <a:buNone/>
+              <a:defRPr b="1" sz="1600"/>
+            </a:pPr>
+            <a:r>
+              <a:t>Main semantic content</a:t>
             </a:r>
           </a:p>
         </p:txBody>
@@ -9930,7 +10061,7 @@
               </a:defRPr>
             </a:pPr>
             <a:r>
-              <a:t>Module 2 — Consistency Check (Pre/Post)</a:t>
+              <a:t>Module 1 — Configuration Audit &amp; Logs Parser (cont.)</a:t>
             </a:r>
           </a:p>
         </p:txBody>
@@ -9950,84 +10081,12 @@
           <a:bodyPr/>
           <a:lstStyle/>
           <a:p>
-            <a:pPr>
-              <a:buNone/>
-              <a:defRPr b="1" sz="1600"/>
-            </a:pPr>
-            <a:r>
-              <a:t>Inputs</a:t>
-            </a:r>
-          </a:p>
-          <a:p>
-            <a:pPr lvl="1">
-              <a:buChar char="•"/>
-              <a:defRPr sz="1500"/>
-            </a:pPr>
-            <a:r>
-              <a:t>"input_pre" and "input_post" (or equivalent resolved structure).</a:t>
-            </a:r>
-          </a:p>
-          <a:p>
-            <a:pPr lvl="1">
-              <a:buChar char="•"/>
-              <a:defRPr sz="1500"/>
-            </a:pPr>
-            <a:r>
-              <a:t>Frequencies "n77_ssb_pre" and "n77_ssb_post".</a:t>
-            </a:r>
-          </a:p>
-          <a:p>
-            <a:pPr lvl="1">
-              <a:buChar char="•"/>
-              <a:defRPr sz="1500"/>
-            </a:pPr>
-            <a:r>
-              <a:t>Optional reference to PRE and POST "ConfigurationAudit" to enrich target classification.</a:t>
-            </a:r>
-          </a:p>
-          <a:p>
-            <a:pPr lvl="1">
-              <a:buChar char="•"/>
-              <a:defRPr sz="1500"/>
-            </a:pPr>
-            <a:r>
-              <a:t>Optional list of frequency filters ("cc_freq_filters").</a:t>
-            </a:r>
-          </a:p>
-          <a:p>
-            <a:pPr>
-              <a:buNone/>
-              <a:defRPr b="1" sz="1600"/>
-            </a:pPr>
-            <a:r>
-              <a:t>Process</a:t>
-            </a:r>
-          </a:p>
-          <a:p>
-            <a:pPr lvl="1">
-              <a:buNone/>
-              <a:defRPr sz="1500"/>
-            </a:pPr>
-            <a:r>
-              <a:t>1. Loads relation tables ("GUtranCellRelation", "NRCellRelation").</a:t>
-            </a:r>
-          </a:p>
-          <a:p>
-            <a:pPr lvl="1">
-              <a:buNone/>
-              <a:defRPr sz="1500"/>
-            </a:pPr>
-            <a:r>
-              <a:t>2. Normalizes columns/keys and selects the most recent snapshots by date.</a:t>
-            </a:r>
-          </a:p>
-          <a:p>
-            <a:pPr lvl="1">
-              <a:buNone/>
-              <a:defRPr sz="1500"/>
-            </a:pPr>
-            <a:r>
-              <a:t>3. Detect:</a:t>
+            <a:pPr lvl="1">
+              <a:buChar char="•"/>
+              <a:defRPr sz="1500"/>
+            </a:pPr>
+            <a:r>
+              <a:t>SummaryAudit contains rows with:</a:t>
             </a:r>
           </a:p>
           <a:p>
@@ -10036,7 +10095,7 @@
               <a:defRPr sz="1500"/>
             </a:pPr>
             <a:r>
-              <a:t>new relations,</a:t>
+              <a:t>"Category", "SubCategory", "Metric", "Value", "ExtraInfo",</a:t>
             </a:r>
           </a:p>
           <a:p>
@@ -10045,52 +10104,25 @@
               <a:defRPr sz="1500"/>
             </a:pPr>
             <a:r>
-              <a:t>missing relations,</a:t>
-            </a:r>
-          </a:p>
-          <a:p>
-            <a:pPr lvl="2">
-              <a:buChar char="•"/>
-              <a:defRPr sz="1500"/>
-            </a:pPr>
-            <a:r>
-              <a:t>parameter discrepancies,</a:t>
-            </a:r>
-          </a:p>
-          <a:p>
-            <a:pPr lvl="2">
-              <a:buChar char="•"/>
-              <a:defRPr sz="1500"/>
-            </a:pPr>
-            <a:r>
-              <a:t>frequency discrepancies,</a:t>
-            </a:r>
-          </a:p>
-          <a:p>
-            <a:pPr lvl="2">
-              <a:buChar char="•"/>
-              <a:defRPr sz="1500"/>
-            </a:pPr>
-            <a:r>
-              <a:t>summary by PRE/POST frequency pair.</a:t>
-            </a:r>
-          </a:p>
-          <a:p>
-            <a:pPr lvl="1">
-              <a:buNone/>
-              <a:defRPr sz="1500"/>
-            </a:pPr>
-            <a:r>
-              <a:t>4. Classify destination targets as "SSB-Pre", "SSB-Post" or "Unknown".</a:t>
-            </a:r>
-          </a:p>
-          <a:p>
-            <a:pPr lvl="1">
-              <a:buNone/>
-              <a:defRPr sz="1500"/>
-            </a:pPr>
-            <a:r>
-              <a:t>5. Exports detailed Excel outputs and correction commands.</a:t>
+              <a:t>and execution context fields (stage, module, etc. depending on the flow).</a:t>
+            </a:r>
+          </a:p>
+          <a:p>
+            <a:pPr lvl="1">
+              <a:buChar char="•"/>
+              <a:defRPr sz="1500"/>
+            </a:pPr>
+            <a:r>
+              <a:t>"Value" usually represents a count of impacted nodes/cells/relations.</a:t>
+            </a:r>
+          </a:p>
+          <a:p>
+            <a:pPr lvl="1">
+              <a:buChar char="•"/>
+              <a:defRPr sz="1500"/>
+            </a:pPr>
+            <a:r>
+              <a:t>"ExtraInfo" contains the NodeId list or a compact discrepancy detail.</a:t>
             </a:r>
           </a:p>
         </p:txBody>
@@ -10141,7 +10173,7 @@
               </a:defRPr>
             </a:pPr>
             <a:r>
-              <a:t>Module 2 — Consistency Check (Pre/Post) (cont.)</a:t>
+              <a:t>Module 2 — Consistency Check (Pre/Post)</a:t>
             </a:r>
           </a:p>
         </p:txBody>
@@ -10166,25 +10198,79 @@
               <a:defRPr b="1" sz="1600"/>
             </a:pPr>
             <a:r>
-              <a:t>Outputs</a:t>
-            </a:r>
-          </a:p>
-          <a:p>
-            <a:pPr lvl="1">
-              <a:buChar char="•"/>
-              <a:defRPr sz="1500"/>
-            </a:pPr>
-            <a:r>
-              <a:t>"CellRelation_&lt;timestamp&gt;_v&lt;version&gt;.xlsx" (end-to-end relations view).</a:t>
-            </a:r>
-          </a:p>
-          <a:p>
-            <a:pPr lvl="1">
-              <a:buChar char="•"/>
-              <a:defRPr sz="1500"/>
-            </a:pPr>
-            <a:r>
-              <a:t>"ConsistencyChecks_CellRelation_&lt;timestamp&gt;_v&lt;version&gt;.xlsx" with:</a:t>
+              <a:t>Inputs</a:t>
+            </a:r>
+          </a:p>
+          <a:p>
+            <a:pPr lvl="1">
+              <a:buChar char="•"/>
+              <a:defRPr sz="1500"/>
+            </a:pPr>
+            <a:r>
+              <a:t>"input_pre" and "input_post" (or equivalent resolved structure).</a:t>
+            </a:r>
+          </a:p>
+          <a:p>
+            <a:pPr lvl="1">
+              <a:buChar char="•"/>
+              <a:defRPr sz="1500"/>
+            </a:pPr>
+            <a:r>
+              <a:t>Frequencies "n77_ssb_pre" and "n77_ssb_post".</a:t>
+            </a:r>
+          </a:p>
+          <a:p>
+            <a:pPr lvl="1">
+              <a:buChar char="•"/>
+              <a:defRPr sz="1500"/>
+            </a:pPr>
+            <a:r>
+              <a:t>Optional reference to PRE and POST "ConfigurationAudit" to enrich target classification.</a:t>
+            </a:r>
+          </a:p>
+          <a:p>
+            <a:pPr lvl="1">
+              <a:buChar char="•"/>
+              <a:defRPr sz="1500"/>
+            </a:pPr>
+            <a:r>
+              <a:t>Optional list of frequency filters ("cc_freq_filters").</a:t>
+            </a:r>
+          </a:p>
+          <a:p>
+            <a:pPr>
+              <a:buNone/>
+              <a:defRPr b="1" sz="1600"/>
+            </a:pPr>
+            <a:r>
+              <a:t>Process</a:t>
+            </a:r>
+          </a:p>
+          <a:p>
+            <a:pPr lvl="1">
+              <a:buNone/>
+              <a:defRPr sz="1500"/>
+            </a:pPr>
+            <a:r>
+              <a:t>1. Loads relation tables ("GUtranCellRelation", "NRCellRelation").</a:t>
+            </a:r>
+          </a:p>
+          <a:p>
+            <a:pPr lvl="1">
+              <a:buNone/>
+              <a:defRPr sz="1500"/>
+            </a:pPr>
+            <a:r>
+              <a:t>2. Normalizes columns/keys and selects the most recent snapshots by date.</a:t>
+            </a:r>
+          </a:p>
+          <a:p>
+            <a:pPr lvl="1">
+              <a:buNone/>
+              <a:defRPr sz="1500"/>
+            </a:pPr>
+            <a:r>
+              <a:t>3. Detect:</a:t>
             </a:r>
           </a:p>
           <a:p>
@@ -10193,7 +10279,7 @@
               <a:defRPr sz="1500"/>
             </a:pPr>
             <a:r>
-              <a:t>"Summary"</a:t>
+              <a:t>new relations,</a:t>
             </a:r>
           </a:p>
           <a:p>
@@ -10202,7 +10288,7 @@
               <a:defRPr sz="1500"/>
             </a:pPr>
             <a:r>
-              <a:t>"SummaryAuditComparisson" (if there is PRE/POST SummaryAudit)</a:t>
+              <a:t>missing relations,</a:t>
             </a:r>
           </a:p>
           <a:p>
@@ -10211,7 +10297,7 @@
               <a:defRPr sz="1500"/>
             </a:pPr>
             <a:r>
-              <a:t>"Summary_CellRelation"</a:t>
+              <a:t>parameter discrepancies,</a:t>
             </a:r>
           </a:p>
           <a:p>
@@ -10220,7 +10306,7 @@
               <a:defRPr sz="1500"/>
             </a:pPr>
             <a:r>
-              <a:t>GU blocks: "GU_relations", "GU_param_disc", "GU_freq_disc", "GU_freq_disc_unknown", "GU_missing", "GU_new"</a:t>
+              <a:t>frequency discrepancies,</a:t>
             </a:r>
           </a:p>
           <a:p>
@@ -10229,25 +10315,7 @@
               <a:defRPr sz="1500"/>
             </a:pPr>
             <a:r>
-              <a:t>NR blocks: "NR_relations", "NR_param_disc", "NR_freq_disc", "NR_freq_disc_unknown", "NR_missing", "NR_new"</a:t>
-            </a:r>
-          </a:p>
-          <a:p>
-            <a:pPr lvl="2">
-              <a:buChar char="•"/>
-              <a:defRPr sz="1500"/>
-            </a:pPr>
-            <a:r>
-              <a:t>optional "GU_all", "NR_all".</a:t>
-            </a:r>
-          </a:p>
-          <a:p>
-            <a:pPr lvl="1">
-              <a:buChar char="•"/>
-              <a:defRPr sz="1500"/>
-            </a:pPr>
-            <a:r>
-              <a:t>"Correction_Cmd_CC/" with commands per type (new/missing/discrepancies).</a:t>
+              <a:t>summary by PRE/POST frequency pair.</a:t>
             </a:r>
           </a:p>
         </p:txBody>

--- a/help/User-Guide-SSB-Retuning-Automations-v0.7.2.pptx
+++ b/help/User-Guide-SSB-Retuning-Automations-v0.7.2.pptx
@@ -6346,7 +6346,7 @@
           <a:lstStyle/>
           <a:p>
             <a:r>
-              <a:t>SSB Retuning Automations (v0.7.3)</a:t>
+              <a:t>SSB Retuning Automations (v0.7.2)</a:t>
             </a:r>
           </a:p>
         </p:txBody>
